--- a/PRESENTATION PFA/Presentatin PFA .pptx
+++ b/PRESENTATION PFA/Presentatin PFA .pptx
@@ -15,8 +15,10 @@
     <p:sldId id="268" r:id="rId9"/>
     <p:sldId id="269" r:id="rId10"/>
     <p:sldId id="259" r:id="rId11"/>
-    <p:sldId id="263" r:id="rId12"/>
-    <p:sldId id="266" r:id="rId13"/>
+    <p:sldId id="270" r:id="rId12"/>
+    <p:sldId id="271" r:id="rId13"/>
+    <p:sldId id="263" r:id="rId14"/>
+    <p:sldId id="266" r:id="rId15"/>
   </p:sldIdLst>
   <p:sldSz cx="12192000" cy="6858000"/>
   <p:notesSz cx="6858000" cy="9144000"/>
@@ -115,6 +117,11 @@
       </a:defRPr>
     </a:lvl9pPr>
   </p:defaultTextStyle>
+  <p:extLst>
+    <p:ext uri="{EFAFB233-063F-42B5-8137-9DF3F51BA10A}">
+      <p15:sldGuideLst xmlns:p15="http://schemas.microsoft.com/office/powerpoint/2012/main"/>
+    </p:ext>
+  </p:extLst>
 </p:presentation>
 </file>
 
@@ -279,7 +286,7 @@
           <a:p>
             <a:fld id="{A17392EB-1A60-4B19-91D3-835E6577BF0E}" type="datetimeFigureOut">
               <a:rPr lang="fr-FR" smtClean="0"/>
-              <a:t>07/05/2024</a:t>
+              <a:t>26/05/2024</a:t>
             </a:fld>
             <a:endParaRPr lang="fr-FR"/>
           </a:p>
@@ -479,7 +486,7 @@
           <a:p>
             <a:fld id="{A17392EB-1A60-4B19-91D3-835E6577BF0E}" type="datetimeFigureOut">
               <a:rPr lang="fr-FR" smtClean="0"/>
-              <a:t>07/05/2024</a:t>
+              <a:t>26/05/2024</a:t>
             </a:fld>
             <a:endParaRPr lang="fr-FR"/>
           </a:p>
@@ -689,7 +696,7 @@
           <a:p>
             <a:fld id="{A17392EB-1A60-4B19-91D3-835E6577BF0E}" type="datetimeFigureOut">
               <a:rPr lang="fr-FR" smtClean="0"/>
-              <a:t>07/05/2024</a:t>
+              <a:t>26/05/2024</a:t>
             </a:fld>
             <a:endParaRPr lang="fr-FR"/>
           </a:p>
@@ -889,7 +896,7 @@
           <a:p>
             <a:fld id="{A17392EB-1A60-4B19-91D3-835E6577BF0E}" type="datetimeFigureOut">
               <a:rPr lang="fr-FR" smtClean="0"/>
-              <a:t>07/05/2024</a:t>
+              <a:t>26/05/2024</a:t>
             </a:fld>
             <a:endParaRPr lang="fr-FR"/>
           </a:p>
@@ -1165,7 +1172,7 @@
           <a:p>
             <a:fld id="{A17392EB-1A60-4B19-91D3-835E6577BF0E}" type="datetimeFigureOut">
               <a:rPr lang="fr-FR" smtClean="0"/>
-              <a:t>07/05/2024</a:t>
+              <a:t>26/05/2024</a:t>
             </a:fld>
             <a:endParaRPr lang="fr-FR"/>
           </a:p>
@@ -1433,7 +1440,7 @@
           <a:p>
             <a:fld id="{A17392EB-1A60-4B19-91D3-835E6577BF0E}" type="datetimeFigureOut">
               <a:rPr lang="fr-FR" smtClean="0"/>
-              <a:t>07/05/2024</a:t>
+              <a:t>26/05/2024</a:t>
             </a:fld>
             <a:endParaRPr lang="fr-FR"/>
           </a:p>
@@ -1848,7 +1855,7 @@
           <a:p>
             <a:fld id="{A17392EB-1A60-4B19-91D3-835E6577BF0E}" type="datetimeFigureOut">
               <a:rPr lang="fr-FR" smtClean="0"/>
-              <a:t>07/05/2024</a:t>
+              <a:t>26/05/2024</a:t>
             </a:fld>
             <a:endParaRPr lang="fr-FR"/>
           </a:p>
@@ -1990,7 +1997,7 @@
           <a:p>
             <a:fld id="{A17392EB-1A60-4B19-91D3-835E6577BF0E}" type="datetimeFigureOut">
               <a:rPr lang="fr-FR" smtClean="0"/>
-              <a:t>07/05/2024</a:t>
+              <a:t>26/05/2024</a:t>
             </a:fld>
             <a:endParaRPr lang="fr-FR"/>
           </a:p>
@@ -2103,7 +2110,7 @@
           <a:p>
             <a:fld id="{A17392EB-1A60-4B19-91D3-835E6577BF0E}" type="datetimeFigureOut">
               <a:rPr lang="fr-FR" smtClean="0"/>
-              <a:t>07/05/2024</a:t>
+              <a:t>26/05/2024</a:t>
             </a:fld>
             <a:endParaRPr lang="fr-FR"/>
           </a:p>
@@ -2416,7 +2423,7 @@
           <a:p>
             <a:fld id="{A17392EB-1A60-4B19-91D3-835E6577BF0E}" type="datetimeFigureOut">
               <a:rPr lang="fr-FR" smtClean="0"/>
-              <a:t>07/05/2024</a:t>
+              <a:t>26/05/2024</a:t>
             </a:fld>
             <a:endParaRPr lang="fr-FR"/>
           </a:p>
@@ -2705,7 +2712,7 @@
           <a:p>
             <a:fld id="{A17392EB-1A60-4B19-91D3-835E6577BF0E}" type="datetimeFigureOut">
               <a:rPr lang="fr-FR" smtClean="0"/>
-              <a:t>07/05/2024</a:t>
+              <a:t>26/05/2024</a:t>
             </a:fld>
             <a:endParaRPr lang="fr-FR"/>
           </a:p>
@@ -2948,7 +2955,7 @@
           <a:p>
             <a:fld id="{A17392EB-1A60-4B19-91D3-835E6577BF0E}" type="datetimeFigureOut">
               <a:rPr lang="fr-FR" smtClean="0"/>
-              <a:t>07/05/2024</a:t>
+              <a:t>26/05/2024</a:t>
             </a:fld>
             <a:endParaRPr lang="fr-FR"/>
           </a:p>
@@ -4778,150 +4785,6 @@
           </a:p>
         </p:txBody>
       </p:sp>
-      <p:pic>
-        <p:nvPicPr>
-          <p:cNvPr id="48" name="Picture 47">
-            <a:extLst>
-              <a:ext uri="{FF2B5EF4-FFF2-40B4-BE49-F238E27FC236}">
-                <a16:creationId xmlns:a16="http://schemas.microsoft.com/office/drawing/2014/main" id="{CFEA3403-5DBB-3210-3C9C-0C04D4075383}"/>
-              </a:ext>
-            </a:extLst>
-          </p:cNvPr>
-          <p:cNvPicPr>
-            <a:picLocks noChangeAspect="1"/>
-          </p:cNvPicPr>
-          <p:nvPr/>
-        </p:nvPicPr>
-        <p:blipFill>
-          <a:blip r:embed="rId2">
-            <a:extLst>
-              <a:ext uri="{28A0092B-C50C-407E-A947-70E740481C1C}">
-                <a14:useLocalDpi xmlns:a14="http://schemas.microsoft.com/office/drawing/2010/main" val="0"/>
-              </a:ext>
-            </a:extLst>
-          </a:blip>
-          <a:stretch>
-            <a:fillRect/>
-          </a:stretch>
-        </p:blipFill>
-        <p:spPr>
-          <a:xfrm>
-            <a:off x="5432894" y="1628775"/>
-            <a:ext cx="1574305" cy="1579570"/>
-          </a:xfrm>
-          <a:prstGeom prst="rect">
-            <a:avLst/>
-          </a:prstGeom>
-        </p:spPr>
-      </p:pic>
-      <p:pic>
-        <p:nvPicPr>
-          <p:cNvPr id="50" name="Picture 49">
-            <a:extLst>
-              <a:ext uri="{FF2B5EF4-FFF2-40B4-BE49-F238E27FC236}">
-                <a16:creationId xmlns:a16="http://schemas.microsoft.com/office/drawing/2014/main" id="{D4BB6BA9-3FBF-188A-49B5-FBF16FC4FF9E}"/>
-              </a:ext>
-            </a:extLst>
-          </p:cNvPr>
-          <p:cNvPicPr>
-            <a:picLocks noChangeAspect="1"/>
-          </p:cNvPicPr>
-          <p:nvPr/>
-        </p:nvPicPr>
-        <p:blipFill>
-          <a:blip r:embed="rId3">
-            <a:extLst>
-              <a:ext uri="{28A0092B-C50C-407E-A947-70E740481C1C}">
-                <a14:useLocalDpi xmlns:a14="http://schemas.microsoft.com/office/drawing/2010/main" val="0"/>
-              </a:ext>
-            </a:extLst>
-          </a:blip>
-          <a:stretch>
-            <a:fillRect/>
-          </a:stretch>
-        </p:blipFill>
-        <p:spPr>
-          <a:xfrm>
-            <a:off x="9867576" y="1435928"/>
-            <a:ext cx="1406625" cy="1579571"/>
-          </a:xfrm>
-          <a:prstGeom prst="rect">
-            <a:avLst/>
-          </a:prstGeom>
-        </p:spPr>
-      </p:pic>
-      <p:pic>
-        <p:nvPicPr>
-          <p:cNvPr id="52" name="Picture 51">
-            <a:extLst>
-              <a:ext uri="{FF2B5EF4-FFF2-40B4-BE49-F238E27FC236}">
-                <a16:creationId xmlns:a16="http://schemas.microsoft.com/office/drawing/2014/main" id="{18B47035-90F0-B6FC-F1F2-9FCD4C4892A1}"/>
-              </a:ext>
-            </a:extLst>
-          </p:cNvPr>
-          <p:cNvPicPr>
-            <a:picLocks noChangeAspect="1"/>
-          </p:cNvPicPr>
-          <p:nvPr/>
-        </p:nvPicPr>
-        <p:blipFill>
-          <a:blip r:embed="rId4">
-            <a:extLst>
-              <a:ext uri="{28A0092B-C50C-407E-A947-70E740481C1C}">
-                <a14:useLocalDpi xmlns:a14="http://schemas.microsoft.com/office/drawing/2010/main" val="0"/>
-              </a:ext>
-            </a:extLst>
-          </a:blip>
-          <a:stretch>
-            <a:fillRect/>
-          </a:stretch>
-        </p:blipFill>
-        <p:spPr>
-          <a:xfrm>
-            <a:off x="1343109" y="4323311"/>
-            <a:ext cx="3324141" cy="1267151"/>
-          </a:xfrm>
-          <a:prstGeom prst="rect">
-            <a:avLst/>
-          </a:prstGeom>
-        </p:spPr>
-      </p:pic>
-      <p:pic>
-        <p:nvPicPr>
-          <p:cNvPr id="54" name="Picture 53">
-            <a:extLst>
-              <a:ext uri="{FF2B5EF4-FFF2-40B4-BE49-F238E27FC236}">
-                <a16:creationId xmlns:a16="http://schemas.microsoft.com/office/drawing/2014/main" id="{119100D1-E7D3-9D5E-0EBA-05F2D6E18F50}"/>
-              </a:ext>
-            </a:extLst>
-          </p:cNvPr>
-          <p:cNvPicPr>
-            <a:picLocks noChangeAspect="1"/>
-          </p:cNvPicPr>
-          <p:nvPr/>
-        </p:nvPicPr>
-        <p:blipFill>
-          <a:blip r:embed="rId5">
-            <a:extLst>
-              <a:ext uri="{28A0092B-C50C-407E-A947-70E740481C1C}">
-                <a14:useLocalDpi xmlns:a14="http://schemas.microsoft.com/office/drawing/2010/main" val="0"/>
-              </a:ext>
-            </a:extLst>
-          </a:blip>
-          <a:stretch>
-            <a:fillRect/>
-          </a:stretch>
-        </p:blipFill>
-        <p:spPr>
-          <a:xfrm>
-            <a:off x="8374098" y="3767913"/>
-            <a:ext cx="1189002" cy="1305570"/>
-          </a:xfrm>
-          <a:prstGeom prst="rect">
-            <a:avLst/>
-          </a:prstGeom>
-        </p:spPr>
-      </p:pic>
       <p:sp>
         <p:nvSpPr>
           <p:cNvPr id="56" name="TextBox 55">
@@ -4963,10 +4826,10 @@
       </p:sp>
       <p:pic>
         <p:nvPicPr>
-          <p:cNvPr id="58" name="Picture 57">
-            <a:extLst>
-              <a:ext uri="{FF2B5EF4-FFF2-40B4-BE49-F238E27FC236}">
-                <a16:creationId xmlns:a16="http://schemas.microsoft.com/office/drawing/2014/main" id="{3D04B514-DACB-FEC5-18B8-DA83EF94E3AB}"/>
+          <p:cNvPr id="61" name="Graphic 1">
+            <a:extLst>
+              <a:ext uri="{FF2B5EF4-FFF2-40B4-BE49-F238E27FC236}">
+                <a16:creationId xmlns:a16="http://schemas.microsoft.com/office/drawing/2014/main" id="{A63F3CC3-6F41-0096-087C-ABEC256C408B}"/>
               </a:ext>
             </a:extLst>
           </p:cNvPr>
@@ -4976,7 +4839,7 @@
           <p:nvPr/>
         </p:nvPicPr>
         <p:blipFill>
-          <a:blip r:embed="rId6">
+          <a:blip r:embed="rId2" cstate="print">
             <a:extLst>
               <a:ext uri="{28A0092B-C50C-407E-A947-70E740481C1C}">
                 <a14:useLocalDpi xmlns:a14="http://schemas.microsoft.com/office/drawing/2010/main" val="0"/>
@@ -4989,8 +4852,8 @@
         </p:blipFill>
         <p:spPr>
           <a:xfrm>
-            <a:off x="1204381" y="1486998"/>
-            <a:ext cx="2280915" cy="2280915"/>
+            <a:off x="1332790" y="2198487"/>
+            <a:ext cx="2143768" cy="1931499"/>
           </a:xfrm>
           <a:prstGeom prst="rect">
             <a:avLst/>
@@ -4999,10 +4862,10 @@
       </p:pic>
       <p:pic>
         <p:nvPicPr>
-          <p:cNvPr id="59" name="Picture 58">
-            <a:extLst>
-              <a:ext uri="{FF2B5EF4-FFF2-40B4-BE49-F238E27FC236}">
-                <a16:creationId xmlns:a16="http://schemas.microsoft.com/office/drawing/2014/main" id="{CFB94C30-AEAB-044C-3101-F24FC6C63DEF}"/>
+          <p:cNvPr id="62" name="Picture 61">
+            <a:extLst>
+              <a:ext uri="{FF2B5EF4-FFF2-40B4-BE49-F238E27FC236}">
+                <a16:creationId xmlns:a16="http://schemas.microsoft.com/office/drawing/2014/main" id="{26244A7D-8AD3-7C77-53FE-7F04B72703F1}"/>
               </a:ext>
             </a:extLst>
           </p:cNvPr>
@@ -5012,7 +4875,7 @@
           <p:nvPr/>
         </p:nvPicPr>
         <p:blipFill>
-          <a:blip r:embed="rId7" cstate="print">
+          <a:blip r:embed="rId3" cstate="print">
             <a:extLst>
               <a:ext uri="{28A0092B-C50C-407E-A947-70E740481C1C}">
                 <a14:useLocalDpi xmlns:a14="http://schemas.microsoft.com/office/drawing/2010/main" val="0"/>
@@ -5026,8 +4889,8 @@
         </p:blipFill>
         <p:spPr bwMode="auto">
           <a:xfrm>
-            <a:off x="6129112" y="4255228"/>
-            <a:ext cx="1395640" cy="1395640"/>
+            <a:off x="8582719" y="2380494"/>
+            <a:ext cx="2488232" cy="1610621"/>
           </a:xfrm>
           <a:prstGeom prst="rect">
             <a:avLst/>
@@ -5040,10 +4903,10 @@
       </p:pic>
       <p:pic>
         <p:nvPicPr>
-          <p:cNvPr id="60" name="Picture 59">
-            <a:extLst>
-              <a:ext uri="{FF2B5EF4-FFF2-40B4-BE49-F238E27FC236}">
-                <a16:creationId xmlns:a16="http://schemas.microsoft.com/office/drawing/2014/main" id="{FC70655A-7D1E-4712-429F-49A388DE2772}"/>
+          <p:cNvPr id="65" name="Picture 64">
+            <a:extLst>
+              <a:ext uri="{FF2B5EF4-FFF2-40B4-BE49-F238E27FC236}">
+                <a16:creationId xmlns:a16="http://schemas.microsoft.com/office/drawing/2014/main" id="{59A5EA4B-0A8D-2881-E7D9-38E8AAA51F84}"/>
               </a:ext>
             </a:extLst>
           </p:cNvPr>
@@ -5053,7 +4916,7 @@
           <p:nvPr/>
         </p:nvPicPr>
         <p:blipFill>
-          <a:blip r:embed="rId8" cstate="print">
+          <a:blip r:embed="rId4" cstate="print">
             <a:extLst>
               <a:ext uri="{28A0092B-C50C-407E-A947-70E740481C1C}">
                 <a14:useLocalDpi xmlns:a14="http://schemas.microsoft.com/office/drawing/2010/main" val="0"/>
@@ -5067,8 +4930,8 @@
         </p:blipFill>
         <p:spPr bwMode="auto">
           <a:xfrm>
-            <a:off x="3077971" y="3461712"/>
-            <a:ext cx="2424432" cy="623889"/>
+            <a:off x="2517353" y="4919933"/>
+            <a:ext cx="2743850" cy="1072482"/>
           </a:xfrm>
           <a:prstGeom prst="rect">
             <a:avLst/>
@@ -5081,10 +4944,10 @@
       </p:pic>
       <p:pic>
         <p:nvPicPr>
-          <p:cNvPr id="61" name="Graphic 1">
-            <a:extLst>
-              <a:ext uri="{FF2B5EF4-FFF2-40B4-BE49-F238E27FC236}">
-                <a16:creationId xmlns:a16="http://schemas.microsoft.com/office/drawing/2014/main" id="{A63F3CC3-6F41-0096-087C-ABEC256C408B}"/>
+          <p:cNvPr id="70" name="Picture 69">
+            <a:extLst>
+              <a:ext uri="{FF2B5EF4-FFF2-40B4-BE49-F238E27FC236}">
+                <a16:creationId xmlns:a16="http://schemas.microsoft.com/office/drawing/2014/main" id="{454A031B-846F-CDFC-436B-3D5B6CD1E445}"/>
               </a:ext>
             </a:extLst>
           </p:cNvPr>
@@ -5094,7 +4957,81 @@
           <p:nvPr/>
         </p:nvPicPr>
         <p:blipFill>
-          <a:blip r:embed="rId9" cstate="print">
+          <a:blip r:embed="rId5">
+            <a:extLst>
+              <a:ext uri="{28A0092B-C50C-407E-A947-70E740481C1C}">
+                <a14:useLocalDpi xmlns:a14="http://schemas.microsoft.com/office/drawing/2010/main" val="0"/>
+              </a:ext>
+            </a:extLst>
+          </a:blip>
+          <a:srcRect/>
+          <a:stretch/>
+        </p:blipFill>
+        <p:spPr>
+          <a:xfrm>
+            <a:off x="5143992" y="2295409"/>
+            <a:ext cx="1536049" cy="1726707"/>
+          </a:xfrm>
+          <a:prstGeom prst="rect">
+            <a:avLst/>
+          </a:prstGeom>
+        </p:spPr>
+      </p:pic>
+      <p:sp>
+        <p:nvSpPr>
+          <p:cNvPr id="2" name="TextBox 1">
+            <a:extLst>
+              <a:ext uri="{FF2B5EF4-FFF2-40B4-BE49-F238E27FC236}">
+                <a16:creationId xmlns:a16="http://schemas.microsoft.com/office/drawing/2014/main" id="{49279836-FA70-5143-CD26-87C3D45AAE4B}"/>
+              </a:ext>
+            </a:extLst>
+          </p:cNvPr>
+          <p:cNvSpPr txBox="1"/>
+          <p:nvPr/>
+        </p:nvSpPr>
+        <p:spPr>
+          <a:xfrm>
+            <a:off x="1577629" y="1514020"/>
+            <a:ext cx="8087710" cy="363736"/>
+          </a:xfrm>
+          <a:prstGeom prst="rect">
+            <a:avLst/>
+          </a:prstGeom>
+          <a:noFill/>
+        </p:spPr>
+        <p:txBody>
+          <a:bodyPr wrap="square">
+            <a:spAutoFit/>
+          </a:bodyPr>
+          <a:lstStyle/>
+          <a:p>
+            <a:r>
+              <a:rPr lang="fr-FR" sz="2000" b="1" dirty="0">
+                <a:latin typeface="CMU Serif" panose="02000603000000000000" pitchFamily="2" charset="0"/>
+                <a:ea typeface="CMU Serif" panose="02000603000000000000" pitchFamily="2" charset="0"/>
+                <a:cs typeface="CMU Serif" panose="02000603000000000000" pitchFamily="2" charset="0"/>
+              </a:rPr>
+              <a:t>Côté Front End</a:t>
+            </a:r>
+          </a:p>
+        </p:txBody>
+      </p:sp>
+      <p:pic>
+        <p:nvPicPr>
+          <p:cNvPr id="8" name="Picture 7">
+            <a:extLst>
+              <a:ext uri="{FF2B5EF4-FFF2-40B4-BE49-F238E27FC236}">
+                <a16:creationId xmlns:a16="http://schemas.microsoft.com/office/drawing/2014/main" id="{17B83CA2-7BE1-A397-8346-3A2D00D71812}"/>
+              </a:ext>
+            </a:extLst>
+          </p:cNvPr>
+          <p:cNvPicPr>
+            <a:picLocks noChangeAspect="1"/>
+          </p:cNvPicPr>
+          <p:nvPr/>
+        </p:nvPicPr>
+        <p:blipFill>
+          <a:blip r:embed="rId6">
             <a:extLst>
               <a:ext uri="{28A0092B-C50C-407E-A947-70E740481C1C}">
                 <a14:useLocalDpi xmlns:a14="http://schemas.microsoft.com/office/drawing/2010/main" val="0"/>
@@ -5107,372 +5044,8 @@
         </p:blipFill>
         <p:spPr>
           <a:xfrm>
-            <a:off x="7715358" y="1823872"/>
-            <a:ext cx="1549019" cy="1395640"/>
-          </a:xfrm>
-          <a:prstGeom prst="rect">
-            <a:avLst/>
-          </a:prstGeom>
-        </p:spPr>
-      </p:pic>
-      <p:pic>
-        <p:nvPicPr>
-          <p:cNvPr id="62" name="Picture 61">
-            <a:extLst>
-              <a:ext uri="{FF2B5EF4-FFF2-40B4-BE49-F238E27FC236}">
-                <a16:creationId xmlns:a16="http://schemas.microsoft.com/office/drawing/2014/main" id="{26244A7D-8AD3-7C77-53FE-7F04B72703F1}"/>
-              </a:ext>
-            </a:extLst>
-          </p:cNvPr>
-          <p:cNvPicPr>
-            <a:picLocks noChangeAspect="1"/>
-          </p:cNvPicPr>
-          <p:nvPr/>
-        </p:nvPicPr>
-        <p:blipFill>
-          <a:blip r:embed="rId10" cstate="print">
-            <a:extLst>
-              <a:ext uri="{28A0092B-C50C-407E-A947-70E740481C1C}">
-                <a14:useLocalDpi xmlns:a14="http://schemas.microsoft.com/office/drawing/2010/main" val="0"/>
-              </a:ext>
-            </a:extLst>
-          </a:blip>
-          <a:srcRect/>
-          <a:stretch>
-            <a:fillRect/>
-          </a:stretch>
-        </p:blipFill>
-        <p:spPr bwMode="auto">
-          <a:xfrm>
-            <a:off x="3336959" y="1814345"/>
-            <a:ext cx="1566191" cy="1013789"/>
-          </a:xfrm>
-          <a:prstGeom prst="rect">
-            <a:avLst/>
-          </a:prstGeom>
-          <a:noFill/>
-          <a:ln>
-            <a:noFill/>
-          </a:ln>
-        </p:spPr>
-      </p:pic>
-      <p:pic>
-        <p:nvPicPr>
-          <p:cNvPr id="63" name="Picture 62">
-            <a:extLst>
-              <a:ext uri="{FF2B5EF4-FFF2-40B4-BE49-F238E27FC236}">
-                <a16:creationId xmlns:a16="http://schemas.microsoft.com/office/drawing/2014/main" id="{48F05839-34A6-CACB-326B-341C52DDB9FF}"/>
-              </a:ext>
-            </a:extLst>
-          </p:cNvPr>
-          <p:cNvPicPr>
-            <a:picLocks noChangeAspect="1"/>
-          </p:cNvPicPr>
-          <p:nvPr/>
-        </p:nvPicPr>
-        <p:blipFill>
-          <a:blip r:embed="rId11" cstate="print">
-            <a:extLst>
-              <a:ext uri="{28A0092B-C50C-407E-A947-70E740481C1C}">
-                <a14:useLocalDpi xmlns:a14="http://schemas.microsoft.com/office/drawing/2010/main" val="0"/>
-              </a:ext>
-            </a:extLst>
-          </a:blip>
-          <a:srcRect/>
-          <a:stretch>
-            <a:fillRect/>
-          </a:stretch>
-        </p:blipFill>
-        <p:spPr bwMode="auto">
-          <a:xfrm>
-            <a:off x="9993512" y="4618797"/>
-            <a:ext cx="1246915" cy="1246915"/>
-          </a:xfrm>
-          <a:prstGeom prst="rect">
-            <a:avLst/>
-          </a:prstGeom>
-          <a:noFill/>
-          <a:ln>
-            <a:noFill/>
-          </a:ln>
-        </p:spPr>
-      </p:pic>
-      <p:pic>
-        <p:nvPicPr>
-          <p:cNvPr id="64" name="Picture 63">
-            <a:extLst>
-              <a:ext uri="{FF2B5EF4-FFF2-40B4-BE49-F238E27FC236}">
-                <a16:creationId xmlns:a16="http://schemas.microsoft.com/office/drawing/2014/main" id="{511858DF-35B7-AA95-CEBD-A00F9D501627}"/>
-              </a:ext>
-            </a:extLst>
-          </p:cNvPr>
-          <p:cNvPicPr>
-            <a:picLocks noChangeAspect="1"/>
-          </p:cNvPicPr>
-          <p:nvPr/>
-        </p:nvPicPr>
-        <p:blipFill>
-          <a:blip r:embed="rId12" cstate="print">
-            <a:extLst>
-              <a:ext uri="{28A0092B-C50C-407E-A947-70E740481C1C}">
-                <a14:useLocalDpi xmlns:a14="http://schemas.microsoft.com/office/drawing/2010/main" val="0"/>
-              </a:ext>
-            </a:extLst>
-          </a:blip>
-          <a:srcRect/>
-          <a:stretch>
-            <a:fillRect/>
-          </a:stretch>
-        </p:blipFill>
-        <p:spPr bwMode="auto">
-          <a:xfrm>
-            <a:off x="9693948" y="2968723"/>
-            <a:ext cx="2121971" cy="1108722"/>
-          </a:xfrm>
-          <a:prstGeom prst="rect">
-            <a:avLst/>
-          </a:prstGeom>
-          <a:noFill/>
-          <a:ln>
-            <a:noFill/>
-          </a:ln>
-        </p:spPr>
-      </p:pic>
-      <p:pic>
-        <p:nvPicPr>
-          <p:cNvPr id="65" name="Picture 64">
-            <a:extLst>
-              <a:ext uri="{FF2B5EF4-FFF2-40B4-BE49-F238E27FC236}">
-                <a16:creationId xmlns:a16="http://schemas.microsoft.com/office/drawing/2014/main" id="{59A5EA4B-0A8D-2881-E7D9-38E8AAA51F84}"/>
-              </a:ext>
-            </a:extLst>
-          </p:cNvPr>
-          <p:cNvPicPr>
-            <a:picLocks noChangeAspect="1"/>
-          </p:cNvPicPr>
-          <p:nvPr/>
-        </p:nvPicPr>
-        <p:blipFill>
-          <a:blip r:embed="rId13" cstate="print">
-            <a:extLst>
-              <a:ext uri="{28A0092B-C50C-407E-A947-70E740481C1C}">
-                <a14:useLocalDpi xmlns:a14="http://schemas.microsoft.com/office/drawing/2010/main" val="0"/>
-              </a:ext>
-            </a:extLst>
-          </a:blip>
-          <a:srcRect/>
-          <a:stretch>
-            <a:fillRect/>
-          </a:stretch>
-        </p:blipFill>
-        <p:spPr bwMode="auto">
-          <a:xfrm>
-            <a:off x="6204045" y="3201851"/>
-            <a:ext cx="2134562" cy="834332"/>
-          </a:xfrm>
-          <a:prstGeom prst="rect">
-            <a:avLst/>
-          </a:prstGeom>
-          <a:noFill/>
-          <a:ln>
-            <a:noFill/>
-          </a:ln>
-        </p:spPr>
-      </p:pic>
-      <p:pic>
-        <p:nvPicPr>
-          <p:cNvPr id="66" name="Picture 65">
-            <a:extLst>
-              <a:ext uri="{FF2B5EF4-FFF2-40B4-BE49-F238E27FC236}">
-                <a16:creationId xmlns:a16="http://schemas.microsoft.com/office/drawing/2014/main" id="{F1DB6BF2-F256-36A1-B03B-C72C7FBA7838}"/>
-              </a:ext>
-            </a:extLst>
-          </p:cNvPr>
-          <p:cNvPicPr>
-            <a:picLocks noChangeAspect="1"/>
-          </p:cNvPicPr>
-          <p:nvPr/>
-        </p:nvPicPr>
-        <p:blipFill>
-          <a:blip r:embed="rId14" cstate="print">
-            <a:extLst>
-              <a:ext uri="{28A0092B-C50C-407E-A947-70E740481C1C}">
-                <a14:useLocalDpi xmlns:a14="http://schemas.microsoft.com/office/drawing/2010/main" val="0"/>
-              </a:ext>
-            </a:extLst>
-          </a:blip>
-          <a:srcRect/>
-          <a:stretch>
-            <a:fillRect/>
-          </a:stretch>
-        </p:blipFill>
-        <p:spPr bwMode="auto">
-          <a:xfrm>
-            <a:off x="7685606" y="5414162"/>
-            <a:ext cx="1877494" cy="789609"/>
-          </a:xfrm>
-          <a:prstGeom prst="rect">
-            <a:avLst/>
-          </a:prstGeom>
-          <a:noFill/>
-          <a:ln>
-            <a:noFill/>
-          </a:ln>
-        </p:spPr>
-      </p:pic>
-      <p:pic>
-        <p:nvPicPr>
-          <p:cNvPr id="67" name="Picture 66">
-            <a:extLst>
-              <a:ext uri="{FF2B5EF4-FFF2-40B4-BE49-F238E27FC236}">
-                <a16:creationId xmlns:a16="http://schemas.microsoft.com/office/drawing/2014/main" id="{C8BE5838-2083-9AC5-2C23-2637207D903F}"/>
-              </a:ext>
-            </a:extLst>
-          </p:cNvPr>
-          <p:cNvPicPr>
-            <a:picLocks noChangeAspect="1"/>
-          </p:cNvPicPr>
-          <p:nvPr/>
-        </p:nvPicPr>
-        <p:blipFill>
-          <a:blip r:embed="rId15" cstate="print">
-            <a:extLst>
-              <a:ext uri="{28A0092B-C50C-407E-A947-70E740481C1C}">
-                <a14:useLocalDpi xmlns:a14="http://schemas.microsoft.com/office/drawing/2010/main" val="0"/>
-              </a:ext>
-            </a:extLst>
-          </a:blip>
-          <a:srcRect/>
-          <a:stretch>
-            <a:fillRect/>
-          </a:stretch>
-        </p:blipFill>
-        <p:spPr bwMode="auto">
-          <a:xfrm>
-            <a:off x="4066954" y="5609259"/>
-            <a:ext cx="2425623" cy="737515"/>
-          </a:xfrm>
-          <a:prstGeom prst="rect">
-            <a:avLst/>
-          </a:prstGeom>
-          <a:noFill/>
-          <a:ln>
-            <a:noFill/>
-          </a:ln>
-        </p:spPr>
-      </p:pic>
-      <p:pic>
-        <p:nvPicPr>
-          <p:cNvPr id="68" name="Picture 67">
-            <a:extLst>
-              <a:ext uri="{FF2B5EF4-FFF2-40B4-BE49-F238E27FC236}">
-                <a16:creationId xmlns:a16="http://schemas.microsoft.com/office/drawing/2014/main" id="{C8360EF2-85AC-ECD2-91C4-04EEC9AF9589}"/>
-              </a:ext>
-            </a:extLst>
-          </p:cNvPr>
-          <p:cNvPicPr>
-            <a:picLocks noChangeAspect="1"/>
-          </p:cNvPicPr>
-          <p:nvPr/>
-        </p:nvPicPr>
-        <p:blipFill>
-          <a:blip r:embed="rId16" cstate="print">
-            <a:extLst>
-              <a:ext uri="{28A0092B-C50C-407E-A947-70E740481C1C}">
-                <a14:useLocalDpi xmlns:a14="http://schemas.microsoft.com/office/drawing/2010/main" val="0"/>
-              </a:ext>
-            </a:extLst>
-          </a:blip>
-          <a:srcRect/>
-          <a:stretch>
-            <a:fillRect/>
-          </a:stretch>
-        </p:blipFill>
-        <p:spPr bwMode="auto">
-          <a:xfrm>
-            <a:off x="376080" y="3278196"/>
-            <a:ext cx="1261349" cy="1261349"/>
-          </a:xfrm>
-          <a:prstGeom prst="rect">
-            <a:avLst/>
-          </a:prstGeom>
-          <a:noFill/>
-          <a:ln>
-            <a:noFill/>
-          </a:ln>
-        </p:spPr>
-      </p:pic>
-      <p:pic>
-        <p:nvPicPr>
-          <p:cNvPr id="69" name="Picture 68">
-            <a:extLst>
-              <a:ext uri="{FF2B5EF4-FFF2-40B4-BE49-F238E27FC236}">
-                <a16:creationId xmlns:a16="http://schemas.microsoft.com/office/drawing/2014/main" id="{12BC458C-0526-7015-E603-45DD4D27A17F}"/>
-              </a:ext>
-            </a:extLst>
-          </p:cNvPr>
-          <p:cNvPicPr>
-            <a:picLocks noChangeAspect="1"/>
-          </p:cNvPicPr>
-          <p:nvPr/>
-        </p:nvPicPr>
-        <p:blipFill>
-          <a:blip r:embed="rId17" cstate="print">
-            <a:extLst>
-              <a:ext uri="{28A0092B-C50C-407E-A947-70E740481C1C}">
-                <a14:useLocalDpi xmlns:a14="http://schemas.microsoft.com/office/drawing/2010/main" val="0"/>
-              </a:ext>
-            </a:extLst>
-          </a:blip>
-          <a:srcRect/>
-          <a:stretch>
-            <a:fillRect/>
-          </a:stretch>
-        </p:blipFill>
-        <p:spPr bwMode="auto">
-          <a:xfrm>
-            <a:off x="6915233" y="905599"/>
-            <a:ext cx="1139729" cy="1060657"/>
-          </a:xfrm>
-          <a:prstGeom prst="rect">
-            <a:avLst/>
-          </a:prstGeom>
-          <a:noFill/>
-          <a:ln>
-            <a:noFill/>
-          </a:ln>
-        </p:spPr>
-      </p:pic>
-      <p:pic>
-        <p:nvPicPr>
-          <p:cNvPr id="70" name="Picture 69">
-            <a:extLst>
-              <a:ext uri="{FF2B5EF4-FFF2-40B4-BE49-F238E27FC236}">
-                <a16:creationId xmlns:a16="http://schemas.microsoft.com/office/drawing/2014/main" id="{454A031B-846F-CDFC-436B-3D5B6CD1E445}"/>
-              </a:ext>
-            </a:extLst>
-          </p:cNvPr>
-          <p:cNvPicPr>
-            <a:picLocks noChangeAspect="1"/>
-          </p:cNvPicPr>
-          <p:nvPr/>
-        </p:nvPicPr>
-        <p:blipFill>
-          <a:blip r:embed="rId18">
-            <a:extLst>
-              <a:ext uri="{28A0092B-C50C-407E-A947-70E740481C1C}">
-                <a14:useLocalDpi xmlns:a14="http://schemas.microsoft.com/office/drawing/2010/main" val="0"/>
-              </a:ext>
-            </a:extLst>
-          </a:blip>
-          <a:stretch>
-            <a:fillRect/>
-          </a:stretch>
-        </p:blipFill>
-        <p:spPr>
-          <a:xfrm>
-            <a:off x="424862" y="1548732"/>
-            <a:ext cx="1163784" cy="1163784"/>
+            <a:off x="6653246" y="3967831"/>
+            <a:ext cx="2611131" cy="2611131"/>
           </a:xfrm>
           <a:prstGeom prst="rect">
             <a:avLst/>
@@ -5734,6 +5307,2317 @@
 </file>
 
 <file path=ppt/slides/slide11.xml><?xml version="1.0" encoding="utf-8"?>
+<p:sld xmlns:a="http://schemas.openxmlformats.org/drawingml/2006/main" xmlns:r="http://schemas.openxmlformats.org/officeDocument/2006/relationships" xmlns:p="http://schemas.openxmlformats.org/presentationml/2006/main">
+  <p:cSld>
+    <p:spTree>
+      <p:nvGrpSpPr>
+        <p:cNvPr id="1" name=""/>
+        <p:cNvGrpSpPr/>
+        <p:nvPr/>
+      </p:nvGrpSpPr>
+      <p:grpSpPr>
+        <a:xfrm>
+          <a:off x="0" y="0"/>
+          <a:ext cx="0" cy="0"/>
+          <a:chOff x="0" y="0"/>
+          <a:chExt cx="0" cy="0"/>
+        </a:xfrm>
+      </p:grpSpPr>
+      <p:sp>
+        <p:nvSpPr>
+          <p:cNvPr id="5" name="!!base">
+            <a:extLst>
+              <a:ext uri="{FF2B5EF4-FFF2-40B4-BE49-F238E27FC236}">
+                <a16:creationId xmlns:a16="http://schemas.microsoft.com/office/drawing/2014/main" id="{9E5811B0-9C2D-883F-1511-5E1FE071A7E9}"/>
+              </a:ext>
+            </a:extLst>
+          </p:cNvPr>
+          <p:cNvSpPr/>
+          <p:nvPr/>
+        </p:nvSpPr>
+        <p:spPr>
+          <a:xfrm>
+            <a:off x="0" y="6637345"/>
+            <a:ext cx="12192000" cy="220655"/>
+          </a:xfrm>
+          <a:prstGeom prst="rect">
+            <a:avLst/>
+          </a:prstGeom>
+          <a:solidFill>
+            <a:schemeClr val="bg1"/>
+          </a:solidFill>
+          <a:ln>
+            <a:noFill/>
+          </a:ln>
+        </p:spPr>
+        <p:style>
+          <a:lnRef idx="2">
+            <a:schemeClr val="accent1">
+              <a:shade val="50000"/>
+            </a:schemeClr>
+          </a:lnRef>
+          <a:fillRef idx="1">
+            <a:schemeClr val="accent1"/>
+          </a:fillRef>
+          <a:effectRef idx="0">
+            <a:schemeClr val="accent1"/>
+          </a:effectRef>
+          <a:fontRef idx="minor">
+            <a:schemeClr val="lt1"/>
+          </a:fontRef>
+        </p:style>
+        <p:txBody>
+          <a:bodyPr rtlCol="0" anchor="ctr"/>
+          <a:lstStyle/>
+          <a:p>
+            <a:pPr algn="ctr"/>
+            <a:endParaRPr lang="en-US" sz="1600">
+              <a:latin typeface="CMU Serif" panose="02000603000000000000" pitchFamily="2" charset="0"/>
+              <a:ea typeface="CMU Serif" panose="02000603000000000000" pitchFamily="2" charset="0"/>
+              <a:cs typeface="CMU Serif" panose="02000603000000000000" pitchFamily="2" charset="0"/>
+            </a:endParaRPr>
+          </a:p>
+        </p:txBody>
+      </p:sp>
+      <p:sp>
+        <p:nvSpPr>
+          <p:cNvPr id="6" name="!!progress bar">
+            <a:extLst>
+              <a:ext uri="{FF2B5EF4-FFF2-40B4-BE49-F238E27FC236}">
+                <a16:creationId xmlns:a16="http://schemas.microsoft.com/office/drawing/2014/main" id="{D8992A20-EAE0-4410-E055-C90FEB6F17B5}"/>
+              </a:ext>
+            </a:extLst>
+          </p:cNvPr>
+          <p:cNvSpPr/>
+          <p:nvPr/>
+        </p:nvSpPr>
+        <p:spPr>
+          <a:xfrm>
+            <a:off x="0" y="6597352"/>
+            <a:ext cx="1640100" cy="260648"/>
+          </a:xfrm>
+          <a:prstGeom prst="rect">
+            <a:avLst/>
+          </a:prstGeom>
+          <a:gradFill flip="none" rotWithShape="1">
+            <a:gsLst>
+              <a:gs pos="0">
+                <a:srgbClr val="83DFE9"/>
+              </a:gs>
+              <a:gs pos="96000">
+                <a:srgbClr val="83DFE9"/>
+              </a:gs>
+            </a:gsLst>
+            <a:lin ang="10800000" scaled="1"/>
+            <a:tileRect/>
+          </a:gradFill>
+          <a:ln>
+            <a:noFill/>
+          </a:ln>
+        </p:spPr>
+        <p:style>
+          <a:lnRef idx="2">
+            <a:schemeClr val="accent1">
+              <a:shade val="50000"/>
+            </a:schemeClr>
+          </a:lnRef>
+          <a:fillRef idx="1">
+            <a:schemeClr val="accent1"/>
+          </a:fillRef>
+          <a:effectRef idx="0">
+            <a:schemeClr val="accent1"/>
+          </a:effectRef>
+          <a:fontRef idx="minor">
+            <a:schemeClr val="lt1"/>
+          </a:fontRef>
+        </p:style>
+        <p:txBody>
+          <a:bodyPr rtlCol="0" anchor="ctr"/>
+          <a:lstStyle/>
+          <a:p>
+            <a:pPr algn="ctr"/>
+            <a:endParaRPr lang="en-US" sz="1600">
+              <a:latin typeface="CMU Serif" panose="02000603000000000000" pitchFamily="2" charset="0"/>
+              <a:ea typeface="CMU Serif" panose="02000603000000000000" pitchFamily="2" charset="0"/>
+              <a:cs typeface="CMU Serif" panose="02000603000000000000" pitchFamily="2" charset="0"/>
+            </a:endParaRPr>
+          </a:p>
+        </p:txBody>
+      </p:sp>
+      <p:sp>
+        <p:nvSpPr>
+          <p:cNvPr id="3" name="Rectangle 2">
+            <a:extLst>
+              <a:ext uri="{FF2B5EF4-FFF2-40B4-BE49-F238E27FC236}">
+                <a16:creationId xmlns:a16="http://schemas.microsoft.com/office/drawing/2014/main" id="{E50B9C35-0F5D-A275-6227-189D450A6B41}"/>
+              </a:ext>
+            </a:extLst>
+          </p:cNvPr>
+          <p:cNvSpPr/>
+          <p:nvPr/>
+        </p:nvSpPr>
+        <p:spPr>
+          <a:xfrm>
+            <a:off x="177384" y="650275"/>
+            <a:ext cx="11782268" cy="45719"/>
+          </a:xfrm>
+          <a:prstGeom prst="rect">
+            <a:avLst/>
+          </a:prstGeom>
+          <a:solidFill>
+            <a:srgbClr val="A0C7CC"/>
+          </a:solidFill>
+          <a:ln>
+            <a:noFill/>
+          </a:ln>
+        </p:spPr>
+        <p:style>
+          <a:lnRef idx="2">
+            <a:schemeClr val="accent1">
+              <a:shade val="50000"/>
+            </a:schemeClr>
+          </a:lnRef>
+          <a:fillRef idx="1">
+            <a:schemeClr val="accent1"/>
+          </a:fillRef>
+          <a:effectRef idx="0">
+            <a:schemeClr val="accent1"/>
+          </a:effectRef>
+          <a:fontRef idx="minor">
+            <a:schemeClr val="lt1"/>
+          </a:fontRef>
+        </p:style>
+        <p:txBody>
+          <a:bodyPr rtlCol="0" anchor="ctr"/>
+          <a:lstStyle/>
+          <a:p>
+            <a:pPr algn="ctr"/>
+            <a:r>
+              <a:rPr lang="fr-FR" sz="1600" dirty="0">
+                <a:latin typeface="CMU Serif" panose="02000603000000000000" pitchFamily="2" charset="0"/>
+                <a:ea typeface="CMU Serif" panose="02000603000000000000" pitchFamily="2" charset="0"/>
+                <a:cs typeface="CMU Serif" panose="02000603000000000000" pitchFamily="2" charset="0"/>
+              </a:rPr>
+              <a:t>                   </a:t>
+            </a:r>
+          </a:p>
+        </p:txBody>
+      </p:sp>
+      <p:sp>
+        <p:nvSpPr>
+          <p:cNvPr id="4" name="TextBox 48">
+            <a:extLst>
+              <a:ext uri="{FF2B5EF4-FFF2-40B4-BE49-F238E27FC236}">
+                <a16:creationId xmlns:a16="http://schemas.microsoft.com/office/drawing/2014/main" id="{A9F9B116-E955-CEA6-191C-DCE847FFC5DD}"/>
+              </a:ext>
+            </a:extLst>
+          </p:cNvPr>
+          <p:cNvSpPr txBox="1"/>
+          <p:nvPr/>
+        </p:nvSpPr>
+        <p:spPr>
+          <a:xfrm>
+            <a:off x="1867898" y="243324"/>
+            <a:ext cx="2628549" cy="338554"/>
+          </a:xfrm>
+          <a:prstGeom prst="rect">
+            <a:avLst/>
+          </a:prstGeom>
+          <a:noFill/>
+        </p:spPr>
+        <p:txBody>
+          <a:bodyPr wrap="square" rtlCol="0">
+            <a:spAutoFit/>
+          </a:bodyPr>
+          <a:lstStyle/>
+          <a:p>
+            <a:pPr marL="173038" indent="-173038"/>
+            <a:r>
+              <a:rPr lang="fr-FR" sz="1600" b="1" dirty="0">
+                <a:latin typeface="CMU Serif" panose="02000603000000000000" pitchFamily="2" charset="0"/>
+                <a:ea typeface="CMU Serif" panose="02000603000000000000" pitchFamily="2" charset="0"/>
+                <a:cs typeface="CMU Serif" panose="02000603000000000000" pitchFamily="2" charset="0"/>
+              </a:rPr>
+              <a:t>Contexte général</a:t>
+            </a:r>
+          </a:p>
+        </p:txBody>
+      </p:sp>
+      <p:sp>
+        <p:nvSpPr>
+          <p:cNvPr id="10" name="TextBox 9">
+            <a:extLst>
+              <a:ext uri="{FF2B5EF4-FFF2-40B4-BE49-F238E27FC236}">
+                <a16:creationId xmlns:a16="http://schemas.microsoft.com/office/drawing/2014/main" id="{EE1141E3-450D-A525-AE5C-1300FCC47D10}"/>
+              </a:ext>
+            </a:extLst>
+          </p:cNvPr>
+          <p:cNvSpPr txBox="1"/>
+          <p:nvPr/>
+        </p:nvSpPr>
+        <p:spPr>
+          <a:xfrm>
+            <a:off x="86527" y="248446"/>
+            <a:ext cx="2003508" cy="338554"/>
+          </a:xfrm>
+          <a:prstGeom prst="rect">
+            <a:avLst/>
+          </a:prstGeom>
+          <a:noFill/>
+        </p:spPr>
+        <p:txBody>
+          <a:bodyPr wrap="square" rtlCol="0">
+            <a:spAutoFit/>
+          </a:bodyPr>
+          <a:lstStyle/>
+          <a:p>
+            <a:r>
+              <a:rPr lang="fr-FR" sz="1600" b="1" dirty="0">
+                <a:latin typeface="CMU Serif" panose="02000603000000000000" pitchFamily="2" charset="0"/>
+                <a:ea typeface="CMU Serif" panose="02000603000000000000" pitchFamily="2" charset="0"/>
+                <a:cs typeface="CMU Serif" panose="02000603000000000000" pitchFamily="2" charset="0"/>
+              </a:rPr>
+              <a:t>Introduction</a:t>
+            </a:r>
+          </a:p>
+        </p:txBody>
+      </p:sp>
+      <p:sp>
+        <p:nvSpPr>
+          <p:cNvPr id="11" name="TextBox 54">
+            <a:extLst>
+              <a:ext uri="{FF2B5EF4-FFF2-40B4-BE49-F238E27FC236}">
+                <a16:creationId xmlns:a16="http://schemas.microsoft.com/office/drawing/2014/main" id="{D4E38581-1637-1F0D-4C05-F975EC1E7183}"/>
+              </a:ext>
+            </a:extLst>
+          </p:cNvPr>
+          <p:cNvSpPr txBox="1"/>
+          <p:nvPr/>
+        </p:nvSpPr>
+        <p:spPr>
+          <a:xfrm>
+            <a:off x="4063968" y="248446"/>
+            <a:ext cx="4130288" cy="338554"/>
+          </a:xfrm>
+          <a:prstGeom prst="rect">
+            <a:avLst/>
+          </a:prstGeom>
+          <a:noFill/>
+        </p:spPr>
+        <p:txBody>
+          <a:bodyPr wrap="square" rtlCol="0">
+            <a:spAutoFit/>
+          </a:bodyPr>
+          <a:lstStyle/>
+          <a:p>
+            <a:pPr>
+              <a:spcBef>
+                <a:spcPts val="600"/>
+              </a:spcBef>
+            </a:pPr>
+            <a:r>
+              <a:rPr lang="fr-FR" sz="1600" b="1" i="0" dirty="0">
+                <a:solidFill>
+                  <a:srgbClr val="000000"/>
+                </a:solidFill>
+                <a:effectLst/>
+                <a:latin typeface="CMU Serif" panose="02000603000000000000" pitchFamily="2" charset="0"/>
+                <a:ea typeface="CMU Serif" panose="02000603000000000000" pitchFamily="2" charset="0"/>
+                <a:cs typeface="CMU Serif" panose="02000603000000000000" pitchFamily="2" charset="0"/>
+              </a:rPr>
+              <a:t>Méthodologie</a:t>
+            </a:r>
+            <a:r>
+              <a:rPr lang="en-US" sz="1600" b="1" i="0" dirty="0">
+                <a:solidFill>
+                  <a:srgbClr val="000000"/>
+                </a:solidFill>
+                <a:effectLst/>
+                <a:latin typeface="CMU Serif" panose="02000603000000000000" pitchFamily="2" charset="0"/>
+                <a:ea typeface="CMU Serif" panose="02000603000000000000" pitchFamily="2" charset="0"/>
+                <a:cs typeface="CMU Serif" panose="02000603000000000000" pitchFamily="2" charset="0"/>
+              </a:rPr>
+              <a:t> de travail</a:t>
+            </a:r>
+          </a:p>
+        </p:txBody>
+      </p:sp>
+      <p:sp>
+        <p:nvSpPr>
+          <p:cNvPr id="12" name="TextBox 55">
+            <a:extLst>
+              <a:ext uri="{FF2B5EF4-FFF2-40B4-BE49-F238E27FC236}">
+                <a16:creationId xmlns:a16="http://schemas.microsoft.com/office/drawing/2014/main" id="{A98F6D86-F1A8-5530-E1F8-483CA53B245E}"/>
+              </a:ext>
+            </a:extLst>
+          </p:cNvPr>
+          <p:cNvSpPr txBox="1"/>
+          <p:nvPr/>
+        </p:nvSpPr>
+        <p:spPr>
+          <a:xfrm>
+            <a:off x="9189346" y="248875"/>
+            <a:ext cx="1810250" cy="338554"/>
+          </a:xfrm>
+          <a:prstGeom prst="rect">
+            <a:avLst/>
+          </a:prstGeom>
+          <a:noFill/>
+        </p:spPr>
+        <p:txBody>
+          <a:bodyPr wrap="square" rtlCol="0">
+            <a:spAutoFit/>
+          </a:bodyPr>
+          <a:lstStyle/>
+          <a:p>
+            <a:r>
+              <a:rPr lang="fr-FR" sz="1600" b="1" dirty="0">
+                <a:latin typeface="CMU Serif" panose="02000603000000000000" pitchFamily="2" charset="0"/>
+                <a:ea typeface="CMU Serif" panose="02000603000000000000" pitchFamily="2" charset="0"/>
+                <a:cs typeface="CMU Serif" panose="02000603000000000000" pitchFamily="2" charset="0"/>
+              </a:rPr>
+              <a:t>Réalisation</a:t>
+            </a:r>
+          </a:p>
+        </p:txBody>
+      </p:sp>
+      <p:sp>
+        <p:nvSpPr>
+          <p:cNvPr id="13" name="TextBox 55">
+            <a:extLst>
+              <a:ext uri="{FF2B5EF4-FFF2-40B4-BE49-F238E27FC236}">
+                <a16:creationId xmlns:a16="http://schemas.microsoft.com/office/drawing/2014/main" id="{A674E703-3E01-C2B4-A378-EDCD552065D4}"/>
+              </a:ext>
+            </a:extLst>
+          </p:cNvPr>
+          <p:cNvSpPr txBox="1"/>
+          <p:nvPr/>
+        </p:nvSpPr>
+        <p:spPr>
+          <a:xfrm>
+            <a:off x="6915233" y="248875"/>
+            <a:ext cx="2818468" cy="338554"/>
+          </a:xfrm>
+          <a:prstGeom prst="rect">
+            <a:avLst/>
+          </a:prstGeom>
+          <a:noFill/>
+        </p:spPr>
+        <p:txBody>
+          <a:bodyPr wrap="square" rtlCol="0">
+            <a:spAutoFit/>
+          </a:bodyPr>
+          <a:lstStyle/>
+          <a:p>
+            <a:r>
+              <a:rPr lang="fr-FR" sz="1600" b="1" dirty="0">
+                <a:solidFill>
+                  <a:srgbClr val="83DFE9"/>
+                </a:solidFill>
+                <a:latin typeface="CMU Serif" panose="02000603000000000000" pitchFamily="2" charset="0"/>
+                <a:ea typeface="CMU Serif" panose="02000603000000000000" pitchFamily="2" charset="0"/>
+                <a:cs typeface="CMU Serif" panose="02000603000000000000" pitchFamily="2" charset="0"/>
+              </a:rPr>
+              <a:t> Étude Technique </a:t>
+            </a:r>
+          </a:p>
+        </p:txBody>
+      </p:sp>
+      <p:sp>
+        <p:nvSpPr>
+          <p:cNvPr id="14" name="TextBox 55">
+            <a:extLst>
+              <a:ext uri="{FF2B5EF4-FFF2-40B4-BE49-F238E27FC236}">
+                <a16:creationId xmlns:a16="http://schemas.microsoft.com/office/drawing/2014/main" id="{1D6B9F72-D3DF-E784-12B9-AFC5F387F890}"/>
+              </a:ext>
+            </a:extLst>
+          </p:cNvPr>
+          <p:cNvSpPr txBox="1"/>
+          <p:nvPr/>
+        </p:nvSpPr>
+        <p:spPr>
+          <a:xfrm>
+            <a:off x="10754934" y="262134"/>
+            <a:ext cx="1810250" cy="338554"/>
+          </a:xfrm>
+          <a:prstGeom prst="rect">
+            <a:avLst/>
+          </a:prstGeom>
+          <a:noFill/>
+        </p:spPr>
+        <p:txBody>
+          <a:bodyPr wrap="square" rtlCol="0">
+            <a:spAutoFit/>
+          </a:bodyPr>
+          <a:lstStyle/>
+          <a:p>
+            <a:r>
+              <a:rPr lang="fr-FR" sz="1600" b="1" dirty="0">
+                <a:solidFill>
+                  <a:srgbClr val="000000"/>
+                </a:solidFill>
+                <a:latin typeface="CMU Serif" panose="02000603000000000000" pitchFamily="2" charset="0"/>
+                <a:ea typeface="CMU Serif" panose="02000603000000000000" pitchFamily="2" charset="0"/>
+                <a:cs typeface="CMU Serif" panose="02000603000000000000" pitchFamily="2" charset="0"/>
+              </a:rPr>
+              <a:t>Conclusion</a:t>
+            </a:r>
+            <a:endParaRPr lang="fr-FR" sz="1600" b="1" dirty="0">
+              <a:latin typeface="CMU Serif" panose="02000603000000000000" pitchFamily="2" charset="0"/>
+              <a:ea typeface="CMU Serif" panose="02000603000000000000" pitchFamily="2" charset="0"/>
+              <a:cs typeface="CMU Serif" panose="02000603000000000000" pitchFamily="2" charset="0"/>
+            </a:endParaRPr>
+          </a:p>
+        </p:txBody>
+      </p:sp>
+      <p:pic>
+        <p:nvPicPr>
+          <p:cNvPr id="48" name="Picture 47">
+            <a:extLst>
+              <a:ext uri="{FF2B5EF4-FFF2-40B4-BE49-F238E27FC236}">
+                <a16:creationId xmlns:a16="http://schemas.microsoft.com/office/drawing/2014/main" id="{CFEA3403-5DBB-3210-3C9C-0C04D4075383}"/>
+              </a:ext>
+            </a:extLst>
+          </p:cNvPr>
+          <p:cNvPicPr>
+            <a:picLocks noChangeAspect="1"/>
+          </p:cNvPicPr>
+          <p:nvPr/>
+        </p:nvPicPr>
+        <p:blipFill>
+          <a:blip r:embed="rId2">
+            <a:extLst>
+              <a:ext uri="{28A0092B-C50C-407E-A947-70E740481C1C}">
+                <a14:useLocalDpi xmlns:a14="http://schemas.microsoft.com/office/drawing/2010/main" val="0"/>
+              </a:ext>
+            </a:extLst>
+          </a:blip>
+          <a:stretch>
+            <a:fillRect/>
+          </a:stretch>
+        </p:blipFill>
+        <p:spPr>
+          <a:xfrm>
+            <a:off x="6337054" y="4520430"/>
+            <a:ext cx="1574305" cy="1579570"/>
+          </a:xfrm>
+          <a:prstGeom prst="rect">
+            <a:avLst/>
+          </a:prstGeom>
+        </p:spPr>
+      </p:pic>
+      <p:pic>
+        <p:nvPicPr>
+          <p:cNvPr id="50" name="Picture 49">
+            <a:extLst>
+              <a:ext uri="{FF2B5EF4-FFF2-40B4-BE49-F238E27FC236}">
+                <a16:creationId xmlns:a16="http://schemas.microsoft.com/office/drawing/2014/main" id="{D4BB6BA9-3FBF-188A-49B5-FBF16FC4FF9E}"/>
+              </a:ext>
+            </a:extLst>
+          </p:cNvPr>
+          <p:cNvPicPr>
+            <a:picLocks noChangeAspect="1"/>
+          </p:cNvPicPr>
+          <p:nvPr/>
+        </p:nvPicPr>
+        <p:blipFill>
+          <a:blip r:embed="rId3">
+            <a:extLst>
+              <a:ext uri="{28A0092B-C50C-407E-A947-70E740481C1C}">
+                <a14:useLocalDpi xmlns:a14="http://schemas.microsoft.com/office/drawing/2010/main" val="0"/>
+              </a:ext>
+            </a:extLst>
+          </a:blip>
+          <a:stretch>
+            <a:fillRect/>
+          </a:stretch>
+        </p:blipFill>
+        <p:spPr>
+          <a:xfrm>
+            <a:off x="8253409" y="1996457"/>
+            <a:ext cx="1406625" cy="1579571"/>
+          </a:xfrm>
+          <a:prstGeom prst="rect">
+            <a:avLst/>
+          </a:prstGeom>
+        </p:spPr>
+      </p:pic>
+      <p:pic>
+        <p:nvPicPr>
+          <p:cNvPr id="52" name="Picture 51">
+            <a:extLst>
+              <a:ext uri="{FF2B5EF4-FFF2-40B4-BE49-F238E27FC236}">
+                <a16:creationId xmlns:a16="http://schemas.microsoft.com/office/drawing/2014/main" id="{18B47035-90F0-B6FC-F1F2-9FCD4C4892A1}"/>
+              </a:ext>
+            </a:extLst>
+          </p:cNvPr>
+          <p:cNvPicPr>
+            <a:picLocks noChangeAspect="1"/>
+          </p:cNvPicPr>
+          <p:nvPr/>
+        </p:nvPicPr>
+        <p:blipFill>
+          <a:blip r:embed="rId4">
+            <a:extLst>
+              <a:ext uri="{28A0092B-C50C-407E-A947-70E740481C1C}">
+                <a14:useLocalDpi xmlns:a14="http://schemas.microsoft.com/office/drawing/2010/main" val="0"/>
+              </a:ext>
+            </a:extLst>
+          </a:blip>
+          <a:stretch>
+            <a:fillRect/>
+          </a:stretch>
+        </p:blipFill>
+        <p:spPr>
+          <a:xfrm>
+            <a:off x="1757848" y="4481408"/>
+            <a:ext cx="2494664" cy="950958"/>
+          </a:xfrm>
+          <a:prstGeom prst="rect">
+            <a:avLst/>
+          </a:prstGeom>
+        </p:spPr>
+      </p:pic>
+      <p:pic>
+        <p:nvPicPr>
+          <p:cNvPr id="54" name="Picture 53">
+            <a:extLst>
+              <a:ext uri="{FF2B5EF4-FFF2-40B4-BE49-F238E27FC236}">
+                <a16:creationId xmlns:a16="http://schemas.microsoft.com/office/drawing/2014/main" id="{119100D1-E7D3-9D5E-0EBA-05F2D6E18F50}"/>
+              </a:ext>
+            </a:extLst>
+          </p:cNvPr>
+          <p:cNvPicPr>
+            <a:picLocks noChangeAspect="1"/>
+          </p:cNvPicPr>
+          <p:nvPr/>
+        </p:nvPicPr>
+        <p:blipFill>
+          <a:blip r:embed="rId5">
+            <a:extLst>
+              <a:ext uri="{28A0092B-C50C-407E-A947-70E740481C1C}">
+                <a14:useLocalDpi xmlns:a14="http://schemas.microsoft.com/office/drawing/2010/main" val="0"/>
+              </a:ext>
+            </a:extLst>
+          </a:blip>
+          <a:stretch>
+            <a:fillRect/>
+          </a:stretch>
+        </p:blipFill>
+        <p:spPr>
+          <a:xfrm>
+            <a:off x="8374098" y="3767913"/>
+            <a:ext cx="1189002" cy="1305570"/>
+          </a:xfrm>
+          <a:prstGeom prst="rect">
+            <a:avLst/>
+          </a:prstGeom>
+        </p:spPr>
+      </p:pic>
+      <p:sp>
+        <p:nvSpPr>
+          <p:cNvPr id="56" name="TextBox 55">
+            <a:extLst>
+              <a:ext uri="{FF2B5EF4-FFF2-40B4-BE49-F238E27FC236}">
+                <a16:creationId xmlns:a16="http://schemas.microsoft.com/office/drawing/2014/main" id="{1682BC7D-C2E2-0C16-0FEA-D9C6AC07FFAB}"/>
+              </a:ext>
+            </a:extLst>
+          </p:cNvPr>
+          <p:cNvSpPr txBox="1"/>
+          <p:nvPr/>
+        </p:nvSpPr>
+        <p:spPr>
+          <a:xfrm>
+            <a:off x="1176667" y="910656"/>
+            <a:ext cx="8087710" cy="461665"/>
+          </a:xfrm>
+          <a:prstGeom prst="rect">
+            <a:avLst/>
+          </a:prstGeom>
+          <a:noFill/>
+        </p:spPr>
+        <p:txBody>
+          <a:bodyPr wrap="square">
+            <a:spAutoFit/>
+          </a:bodyPr>
+          <a:lstStyle/>
+          <a:p>
+            <a:r>
+              <a:rPr lang="fr-FR" sz="2400" b="1" dirty="0">
+                <a:latin typeface="CMU Serif" panose="02000603000000000000" pitchFamily="2" charset="0"/>
+                <a:ea typeface="CMU Serif" panose="02000603000000000000" pitchFamily="2" charset="0"/>
+                <a:cs typeface="CMU Serif" panose="02000603000000000000" pitchFamily="2" charset="0"/>
+              </a:rPr>
+              <a:t> Étude Technique </a:t>
+            </a:r>
+          </a:p>
+        </p:txBody>
+      </p:sp>
+      <p:pic>
+        <p:nvPicPr>
+          <p:cNvPr id="58" name="Picture 57">
+            <a:extLst>
+              <a:ext uri="{FF2B5EF4-FFF2-40B4-BE49-F238E27FC236}">
+                <a16:creationId xmlns:a16="http://schemas.microsoft.com/office/drawing/2014/main" id="{3D04B514-DACB-FEC5-18B8-DA83EF94E3AB}"/>
+              </a:ext>
+            </a:extLst>
+          </p:cNvPr>
+          <p:cNvPicPr>
+            <a:picLocks noChangeAspect="1"/>
+          </p:cNvPicPr>
+          <p:nvPr/>
+        </p:nvPicPr>
+        <p:blipFill>
+          <a:blip r:embed="rId6">
+            <a:extLst>
+              <a:ext uri="{28A0092B-C50C-407E-A947-70E740481C1C}">
+                <a14:useLocalDpi xmlns:a14="http://schemas.microsoft.com/office/drawing/2010/main" val="0"/>
+              </a:ext>
+            </a:extLst>
+          </a:blip>
+          <a:stretch>
+            <a:fillRect/>
+          </a:stretch>
+        </p:blipFill>
+        <p:spPr>
+          <a:xfrm>
+            <a:off x="1088281" y="1875041"/>
+            <a:ext cx="2280915" cy="2280915"/>
+          </a:xfrm>
+          <a:prstGeom prst="rect">
+            <a:avLst/>
+          </a:prstGeom>
+        </p:spPr>
+      </p:pic>
+      <p:pic>
+        <p:nvPicPr>
+          <p:cNvPr id="60" name="Picture 59">
+            <a:extLst>
+              <a:ext uri="{FF2B5EF4-FFF2-40B4-BE49-F238E27FC236}">
+                <a16:creationId xmlns:a16="http://schemas.microsoft.com/office/drawing/2014/main" id="{FC70655A-7D1E-4712-429F-49A388DE2772}"/>
+              </a:ext>
+            </a:extLst>
+          </p:cNvPr>
+          <p:cNvPicPr>
+            <a:picLocks noChangeAspect="1"/>
+          </p:cNvPicPr>
+          <p:nvPr/>
+        </p:nvPicPr>
+        <p:blipFill>
+          <a:blip r:embed="rId7" cstate="print">
+            <a:extLst>
+              <a:ext uri="{28A0092B-C50C-407E-A947-70E740481C1C}">
+                <a14:useLocalDpi xmlns:a14="http://schemas.microsoft.com/office/drawing/2010/main" val="0"/>
+              </a:ext>
+            </a:extLst>
+          </a:blip>
+          <a:srcRect/>
+          <a:stretch>
+            <a:fillRect/>
+          </a:stretch>
+        </p:blipFill>
+        <p:spPr bwMode="auto">
+          <a:xfrm>
+            <a:off x="3906138" y="2655663"/>
+            <a:ext cx="3195570" cy="822329"/>
+          </a:xfrm>
+          <a:prstGeom prst="rect">
+            <a:avLst/>
+          </a:prstGeom>
+          <a:noFill/>
+          <a:ln>
+            <a:noFill/>
+          </a:ln>
+        </p:spPr>
+      </p:pic>
+      <p:sp>
+        <p:nvSpPr>
+          <p:cNvPr id="2" name="TextBox 1">
+            <a:extLst>
+              <a:ext uri="{FF2B5EF4-FFF2-40B4-BE49-F238E27FC236}">
+                <a16:creationId xmlns:a16="http://schemas.microsoft.com/office/drawing/2014/main" id="{DABD015F-F1E7-38E6-FC2F-101B1FC522E6}"/>
+              </a:ext>
+            </a:extLst>
+          </p:cNvPr>
+          <p:cNvSpPr txBox="1"/>
+          <p:nvPr/>
+        </p:nvSpPr>
+        <p:spPr>
+          <a:xfrm>
+            <a:off x="1577629" y="1514020"/>
+            <a:ext cx="8087710" cy="400110"/>
+          </a:xfrm>
+          <a:prstGeom prst="rect">
+            <a:avLst/>
+          </a:prstGeom>
+          <a:noFill/>
+        </p:spPr>
+        <p:txBody>
+          <a:bodyPr wrap="square">
+            <a:spAutoFit/>
+          </a:bodyPr>
+          <a:lstStyle/>
+          <a:p>
+            <a:r>
+              <a:rPr lang="fr-FR" sz="2000" b="1" dirty="0">
+                <a:latin typeface="CMU Serif" panose="02000603000000000000" pitchFamily="2" charset="0"/>
+                <a:ea typeface="CMU Serif" panose="02000603000000000000" pitchFamily="2" charset="0"/>
+                <a:cs typeface="CMU Serif" panose="02000603000000000000" pitchFamily="2" charset="0"/>
+              </a:rPr>
+              <a:t>Côté Back End</a:t>
+            </a:r>
+          </a:p>
+        </p:txBody>
+      </p:sp>
+    </p:spTree>
+    <p:extLst>
+      <p:ext uri="{BB962C8B-B14F-4D97-AF65-F5344CB8AC3E}">
+        <p14:creationId xmlns:p14="http://schemas.microsoft.com/office/powerpoint/2010/main" val="2585018248"/>
+      </p:ext>
+    </p:extLst>
+  </p:cSld>
+  <p:clrMapOvr>
+    <a:masterClrMapping/>
+  </p:clrMapOvr>
+  <p:timing>
+    <p:tnLst>
+      <p:par>
+        <p:cTn id="1" dur="indefinite" restart="never" nodeType="tmRoot">
+          <p:childTnLst>
+            <p:seq concurrent="1" nextAc="seek">
+              <p:cTn id="2" dur="indefinite" nodeType="mainSeq">
+                <p:childTnLst>
+                  <p:par>
+                    <p:cTn id="3" fill="hold">
+                      <p:stCondLst>
+                        <p:cond delay="indefinite"/>
+                        <p:cond evt="onBegin" delay="0">
+                          <p:tn val="2"/>
+                        </p:cond>
+                      </p:stCondLst>
+                      <p:childTnLst>
+                        <p:par>
+                          <p:cTn id="4" fill="hold">
+                            <p:stCondLst>
+                              <p:cond delay="0"/>
+                            </p:stCondLst>
+                            <p:childTnLst>
+                              <p:par>
+                                <p:cTn id="5" presetID="3" presetClass="emph" presetSubtype="2" fill="hold" grpId="0" nodeType="withEffect">
+                                  <p:stCondLst>
+                                    <p:cond delay="0"/>
+                                  </p:stCondLst>
+                                  <p:childTnLst>
+                                    <p:animClr clrSpc="rgb" dir="cw">
+                                      <p:cBhvr override="childStyle">
+                                        <p:cTn id="6" dur="2000" fill="hold"/>
+                                        <p:tgtEl>
+                                          <p:spTgt spid="10"/>
+                                        </p:tgtEl>
+                                        <p:attrNameLst>
+                                          <p:attrName>style.color</p:attrName>
+                                        </p:attrNameLst>
+                                      </p:cBhvr>
+                                      <p:to>
+                                        <a:srgbClr val="000000"/>
+                                      </p:to>
+                                    </p:animClr>
+                                  </p:childTnLst>
+                                </p:cTn>
+                              </p:par>
+                            </p:childTnLst>
+                          </p:cTn>
+                        </p:par>
+                      </p:childTnLst>
+                    </p:cTn>
+                  </p:par>
+                </p:childTnLst>
+              </p:cTn>
+              <p:prevCondLst>
+                <p:cond evt="onPrev" delay="0">
+                  <p:tgtEl>
+                    <p:sldTgt/>
+                  </p:tgtEl>
+                </p:cond>
+              </p:prevCondLst>
+              <p:nextCondLst>
+                <p:cond evt="onNext" delay="0">
+                  <p:tgtEl>
+                    <p:sldTgt/>
+                  </p:tgtEl>
+                </p:cond>
+              </p:nextCondLst>
+            </p:seq>
+          </p:childTnLst>
+        </p:cTn>
+      </p:par>
+    </p:tnLst>
+    <p:bldLst>
+      <p:bldP spid="10" grpId="0"/>
+    </p:bldLst>
+  </p:timing>
+</p:sld>
+</file>
+
+<file path=ppt/slides/slide12.xml><?xml version="1.0" encoding="utf-8"?>
+<p:sld xmlns:a="http://schemas.openxmlformats.org/drawingml/2006/main" xmlns:r="http://schemas.openxmlformats.org/officeDocument/2006/relationships" xmlns:p="http://schemas.openxmlformats.org/presentationml/2006/main">
+  <p:cSld>
+    <p:spTree>
+      <p:nvGrpSpPr>
+        <p:cNvPr id="1" name=""/>
+        <p:cNvGrpSpPr/>
+        <p:nvPr/>
+      </p:nvGrpSpPr>
+      <p:grpSpPr>
+        <a:xfrm>
+          <a:off x="0" y="0"/>
+          <a:ext cx="0" cy="0"/>
+          <a:chOff x="0" y="0"/>
+          <a:chExt cx="0" cy="0"/>
+        </a:xfrm>
+      </p:grpSpPr>
+      <p:sp>
+        <p:nvSpPr>
+          <p:cNvPr id="5" name="!!base">
+            <a:extLst>
+              <a:ext uri="{FF2B5EF4-FFF2-40B4-BE49-F238E27FC236}">
+                <a16:creationId xmlns:a16="http://schemas.microsoft.com/office/drawing/2014/main" id="{9E5811B0-9C2D-883F-1511-5E1FE071A7E9}"/>
+              </a:ext>
+            </a:extLst>
+          </p:cNvPr>
+          <p:cNvSpPr/>
+          <p:nvPr/>
+        </p:nvSpPr>
+        <p:spPr>
+          <a:xfrm>
+            <a:off x="0" y="6637345"/>
+            <a:ext cx="12192000" cy="220655"/>
+          </a:xfrm>
+          <a:prstGeom prst="rect">
+            <a:avLst/>
+          </a:prstGeom>
+          <a:solidFill>
+            <a:schemeClr val="bg1"/>
+          </a:solidFill>
+          <a:ln>
+            <a:noFill/>
+          </a:ln>
+        </p:spPr>
+        <p:style>
+          <a:lnRef idx="2">
+            <a:schemeClr val="accent1">
+              <a:shade val="50000"/>
+            </a:schemeClr>
+          </a:lnRef>
+          <a:fillRef idx="1">
+            <a:schemeClr val="accent1"/>
+          </a:fillRef>
+          <a:effectRef idx="0">
+            <a:schemeClr val="accent1"/>
+          </a:effectRef>
+          <a:fontRef idx="minor">
+            <a:schemeClr val="lt1"/>
+          </a:fontRef>
+        </p:style>
+        <p:txBody>
+          <a:bodyPr rtlCol="0" anchor="ctr"/>
+          <a:lstStyle/>
+          <a:p>
+            <a:pPr algn="ctr"/>
+            <a:endParaRPr lang="en-US" sz="1600">
+              <a:latin typeface="CMU Serif" panose="02000603000000000000" pitchFamily="2" charset="0"/>
+              <a:ea typeface="CMU Serif" panose="02000603000000000000" pitchFamily="2" charset="0"/>
+              <a:cs typeface="CMU Serif" panose="02000603000000000000" pitchFamily="2" charset="0"/>
+            </a:endParaRPr>
+          </a:p>
+        </p:txBody>
+      </p:sp>
+      <p:sp>
+        <p:nvSpPr>
+          <p:cNvPr id="6" name="!!progress bar">
+            <a:extLst>
+              <a:ext uri="{FF2B5EF4-FFF2-40B4-BE49-F238E27FC236}">
+                <a16:creationId xmlns:a16="http://schemas.microsoft.com/office/drawing/2014/main" id="{D8992A20-EAE0-4410-E055-C90FEB6F17B5}"/>
+              </a:ext>
+            </a:extLst>
+          </p:cNvPr>
+          <p:cNvSpPr/>
+          <p:nvPr/>
+        </p:nvSpPr>
+        <p:spPr>
+          <a:xfrm>
+            <a:off x="0" y="6597352"/>
+            <a:ext cx="1640100" cy="260648"/>
+          </a:xfrm>
+          <a:prstGeom prst="rect">
+            <a:avLst/>
+          </a:prstGeom>
+          <a:gradFill flip="none" rotWithShape="1">
+            <a:gsLst>
+              <a:gs pos="0">
+                <a:srgbClr val="83DFE9"/>
+              </a:gs>
+              <a:gs pos="96000">
+                <a:srgbClr val="83DFE9"/>
+              </a:gs>
+            </a:gsLst>
+            <a:lin ang="10800000" scaled="1"/>
+            <a:tileRect/>
+          </a:gradFill>
+          <a:ln>
+            <a:noFill/>
+          </a:ln>
+        </p:spPr>
+        <p:style>
+          <a:lnRef idx="2">
+            <a:schemeClr val="accent1">
+              <a:shade val="50000"/>
+            </a:schemeClr>
+          </a:lnRef>
+          <a:fillRef idx="1">
+            <a:schemeClr val="accent1"/>
+          </a:fillRef>
+          <a:effectRef idx="0">
+            <a:schemeClr val="accent1"/>
+          </a:effectRef>
+          <a:fontRef idx="minor">
+            <a:schemeClr val="lt1"/>
+          </a:fontRef>
+        </p:style>
+        <p:txBody>
+          <a:bodyPr rtlCol="0" anchor="ctr"/>
+          <a:lstStyle/>
+          <a:p>
+            <a:pPr algn="ctr"/>
+            <a:endParaRPr lang="en-US" sz="1600">
+              <a:latin typeface="CMU Serif" panose="02000603000000000000" pitchFamily="2" charset="0"/>
+              <a:ea typeface="CMU Serif" panose="02000603000000000000" pitchFamily="2" charset="0"/>
+              <a:cs typeface="CMU Serif" panose="02000603000000000000" pitchFamily="2" charset="0"/>
+            </a:endParaRPr>
+          </a:p>
+        </p:txBody>
+      </p:sp>
+      <p:sp>
+        <p:nvSpPr>
+          <p:cNvPr id="3" name="Rectangle 2">
+            <a:extLst>
+              <a:ext uri="{FF2B5EF4-FFF2-40B4-BE49-F238E27FC236}">
+                <a16:creationId xmlns:a16="http://schemas.microsoft.com/office/drawing/2014/main" id="{E50B9C35-0F5D-A275-6227-189D450A6B41}"/>
+              </a:ext>
+            </a:extLst>
+          </p:cNvPr>
+          <p:cNvSpPr/>
+          <p:nvPr/>
+        </p:nvSpPr>
+        <p:spPr>
+          <a:xfrm>
+            <a:off x="177384" y="650275"/>
+            <a:ext cx="11782268" cy="45719"/>
+          </a:xfrm>
+          <a:prstGeom prst="rect">
+            <a:avLst/>
+          </a:prstGeom>
+          <a:solidFill>
+            <a:srgbClr val="A0C7CC"/>
+          </a:solidFill>
+          <a:ln>
+            <a:noFill/>
+          </a:ln>
+        </p:spPr>
+        <p:style>
+          <a:lnRef idx="2">
+            <a:schemeClr val="accent1">
+              <a:shade val="50000"/>
+            </a:schemeClr>
+          </a:lnRef>
+          <a:fillRef idx="1">
+            <a:schemeClr val="accent1"/>
+          </a:fillRef>
+          <a:effectRef idx="0">
+            <a:schemeClr val="accent1"/>
+          </a:effectRef>
+          <a:fontRef idx="minor">
+            <a:schemeClr val="lt1"/>
+          </a:fontRef>
+        </p:style>
+        <p:txBody>
+          <a:bodyPr rtlCol="0" anchor="ctr"/>
+          <a:lstStyle/>
+          <a:p>
+            <a:pPr algn="ctr"/>
+            <a:r>
+              <a:rPr lang="fr-FR" sz="1600" dirty="0">
+                <a:latin typeface="CMU Serif" panose="02000603000000000000" pitchFamily="2" charset="0"/>
+                <a:ea typeface="CMU Serif" panose="02000603000000000000" pitchFamily="2" charset="0"/>
+                <a:cs typeface="CMU Serif" panose="02000603000000000000" pitchFamily="2" charset="0"/>
+              </a:rPr>
+              <a:t>                   </a:t>
+            </a:r>
+          </a:p>
+        </p:txBody>
+      </p:sp>
+      <p:sp>
+        <p:nvSpPr>
+          <p:cNvPr id="4" name="TextBox 48">
+            <a:extLst>
+              <a:ext uri="{FF2B5EF4-FFF2-40B4-BE49-F238E27FC236}">
+                <a16:creationId xmlns:a16="http://schemas.microsoft.com/office/drawing/2014/main" id="{A9F9B116-E955-CEA6-191C-DCE847FFC5DD}"/>
+              </a:ext>
+            </a:extLst>
+          </p:cNvPr>
+          <p:cNvSpPr txBox="1"/>
+          <p:nvPr/>
+        </p:nvSpPr>
+        <p:spPr>
+          <a:xfrm>
+            <a:off x="1867898" y="243324"/>
+            <a:ext cx="2628549" cy="338554"/>
+          </a:xfrm>
+          <a:prstGeom prst="rect">
+            <a:avLst/>
+          </a:prstGeom>
+          <a:noFill/>
+        </p:spPr>
+        <p:txBody>
+          <a:bodyPr wrap="square" rtlCol="0">
+            <a:spAutoFit/>
+          </a:bodyPr>
+          <a:lstStyle/>
+          <a:p>
+            <a:pPr marL="173038" indent="-173038"/>
+            <a:r>
+              <a:rPr lang="fr-FR" sz="1600" b="1" dirty="0">
+                <a:latin typeface="CMU Serif" panose="02000603000000000000" pitchFamily="2" charset="0"/>
+                <a:ea typeface="CMU Serif" panose="02000603000000000000" pitchFamily="2" charset="0"/>
+                <a:cs typeface="CMU Serif" panose="02000603000000000000" pitchFamily="2" charset="0"/>
+              </a:rPr>
+              <a:t>Contexte général</a:t>
+            </a:r>
+          </a:p>
+        </p:txBody>
+      </p:sp>
+      <p:sp>
+        <p:nvSpPr>
+          <p:cNvPr id="10" name="TextBox 9">
+            <a:extLst>
+              <a:ext uri="{FF2B5EF4-FFF2-40B4-BE49-F238E27FC236}">
+                <a16:creationId xmlns:a16="http://schemas.microsoft.com/office/drawing/2014/main" id="{EE1141E3-450D-A525-AE5C-1300FCC47D10}"/>
+              </a:ext>
+            </a:extLst>
+          </p:cNvPr>
+          <p:cNvSpPr txBox="1"/>
+          <p:nvPr/>
+        </p:nvSpPr>
+        <p:spPr>
+          <a:xfrm>
+            <a:off x="86527" y="248446"/>
+            <a:ext cx="2003508" cy="338554"/>
+          </a:xfrm>
+          <a:prstGeom prst="rect">
+            <a:avLst/>
+          </a:prstGeom>
+          <a:noFill/>
+        </p:spPr>
+        <p:txBody>
+          <a:bodyPr wrap="square" rtlCol="0">
+            <a:spAutoFit/>
+          </a:bodyPr>
+          <a:lstStyle/>
+          <a:p>
+            <a:r>
+              <a:rPr lang="fr-FR" sz="1600" b="1" dirty="0">
+                <a:latin typeface="CMU Serif" panose="02000603000000000000" pitchFamily="2" charset="0"/>
+                <a:ea typeface="CMU Serif" panose="02000603000000000000" pitchFamily="2" charset="0"/>
+                <a:cs typeface="CMU Serif" panose="02000603000000000000" pitchFamily="2" charset="0"/>
+              </a:rPr>
+              <a:t>Introduction</a:t>
+            </a:r>
+          </a:p>
+        </p:txBody>
+      </p:sp>
+      <p:sp>
+        <p:nvSpPr>
+          <p:cNvPr id="11" name="TextBox 54">
+            <a:extLst>
+              <a:ext uri="{FF2B5EF4-FFF2-40B4-BE49-F238E27FC236}">
+                <a16:creationId xmlns:a16="http://schemas.microsoft.com/office/drawing/2014/main" id="{D4E38581-1637-1F0D-4C05-F975EC1E7183}"/>
+              </a:ext>
+            </a:extLst>
+          </p:cNvPr>
+          <p:cNvSpPr txBox="1"/>
+          <p:nvPr/>
+        </p:nvSpPr>
+        <p:spPr>
+          <a:xfrm>
+            <a:off x="4063968" y="248446"/>
+            <a:ext cx="4130288" cy="338554"/>
+          </a:xfrm>
+          <a:prstGeom prst="rect">
+            <a:avLst/>
+          </a:prstGeom>
+          <a:noFill/>
+        </p:spPr>
+        <p:txBody>
+          <a:bodyPr wrap="square" rtlCol="0">
+            <a:spAutoFit/>
+          </a:bodyPr>
+          <a:lstStyle/>
+          <a:p>
+            <a:pPr>
+              <a:spcBef>
+                <a:spcPts val="600"/>
+              </a:spcBef>
+            </a:pPr>
+            <a:r>
+              <a:rPr lang="fr-FR" sz="1600" b="1" i="0" dirty="0">
+                <a:solidFill>
+                  <a:srgbClr val="000000"/>
+                </a:solidFill>
+                <a:effectLst/>
+                <a:latin typeface="CMU Serif" panose="02000603000000000000" pitchFamily="2" charset="0"/>
+                <a:ea typeface="CMU Serif" panose="02000603000000000000" pitchFamily="2" charset="0"/>
+                <a:cs typeface="CMU Serif" panose="02000603000000000000" pitchFamily="2" charset="0"/>
+              </a:rPr>
+              <a:t>Méthodologie</a:t>
+            </a:r>
+            <a:r>
+              <a:rPr lang="en-US" sz="1600" b="1" i="0" dirty="0">
+                <a:solidFill>
+                  <a:srgbClr val="000000"/>
+                </a:solidFill>
+                <a:effectLst/>
+                <a:latin typeface="CMU Serif" panose="02000603000000000000" pitchFamily="2" charset="0"/>
+                <a:ea typeface="CMU Serif" panose="02000603000000000000" pitchFamily="2" charset="0"/>
+                <a:cs typeface="CMU Serif" panose="02000603000000000000" pitchFamily="2" charset="0"/>
+              </a:rPr>
+              <a:t> de travail</a:t>
+            </a:r>
+          </a:p>
+        </p:txBody>
+      </p:sp>
+      <p:sp>
+        <p:nvSpPr>
+          <p:cNvPr id="12" name="TextBox 55">
+            <a:extLst>
+              <a:ext uri="{FF2B5EF4-FFF2-40B4-BE49-F238E27FC236}">
+                <a16:creationId xmlns:a16="http://schemas.microsoft.com/office/drawing/2014/main" id="{A98F6D86-F1A8-5530-E1F8-483CA53B245E}"/>
+              </a:ext>
+            </a:extLst>
+          </p:cNvPr>
+          <p:cNvSpPr txBox="1"/>
+          <p:nvPr/>
+        </p:nvSpPr>
+        <p:spPr>
+          <a:xfrm>
+            <a:off x="9189346" y="248875"/>
+            <a:ext cx="1810250" cy="338554"/>
+          </a:xfrm>
+          <a:prstGeom prst="rect">
+            <a:avLst/>
+          </a:prstGeom>
+          <a:noFill/>
+        </p:spPr>
+        <p:txBody>
+          <a:bodyPr wrap="square" rtlCol="0">
+            <a:spAutoFit/>
+          </a:bodyPr>
+          <a:lstStyle/>
+          <a:p>
+            <a:r>
+              <a:rPr lang="fr-FR" sz="1600" b="1" dirty="0">
+                <a:latin typeface="CMU Serif" panose="02000603000000000000" pitchFamily="2" charset="0"/>
+                <a:ea typeface="CMU Serif" panose="02000603000000000000" pitchFamily="2" charset="0"/>
+                <a:cs typeface="CMU Serif" panose="02000603000000000000" pitchFamily="2" charset="0"/>
+              </a:rPr>
+              <a:t>Réalisation</a:t>
+            </a:r>
+          </a:p>
+        </p:txBody>
+      </p:sp>
+      <p:sp>
+        <p:nvSpPr>
+          <p:cNvPr id="13" name="TextBox 55">
+            <a:extLst>
+              <a:ext uri="{FF2B5EF4-FFF2-40B4-BE49-F238E27FC236}">
+                <a16:creationId xmlns:a16="http://schemas.microsoft.com/office/drawing/2014/main" id="{A674E703-3E01-C2B4-A378-EDCD552065D4}"/>
+              </a:ext>
+            </a:extLst>
+          </p:cNvPr>
+          <p:cNvSpPr txBox="1"/>
+          <p:nvPr/>
+        </p:nvSpPr>
+        <p:spPr>
+          <a:xfrm>
+            <a:off x="6915233" y="248875"/>
+            <a:ext cx="2818468" cy="338554"/>
+          </a:xfrm>
+          <a:prstGeom prst="rect">
+            <a:avLst/>
+          </a:prstGeom>
+          <a:noFill/>
+        </p:spPr>
+        <p:txBody>
+          <a:bodyPr wrap="square" rtlCol="0">
+            <a:spAutoFit/>
+          </a:bodyPr>
+          <a:lstStyle/>
+          <a:p>
+            <a:r>
+              <a:rPr lang="fr-FR" sz="1600" b="1" dirty="0">
+                <a:solidFill>
+                  <a:srgbClr val="83DFE9"/>
+                </a:solidFill>
+                <a:latin typeface="CMU Serif" panose="02000603000000000000" pitchFamily="2" charset="0"/>
+                <a:ea typeface="CMU Serif" panose="02000603000000000000" pitchFamily="2" charset="0"/>
+                <a:cs typeface="CMU Serif" panose="02000603000000000000" pitchFamily="2" charset="0"/>
+              </a:rPr>
+              <a:t> Étude Technique </a:t>
+            </a:r>
+          </a:p>
+        </p:txBody>
+      </p:sp>
+      <p:sp>
+        <p:nvSpPr>
+          <p:cNvPr id="14" name="TextBox 55">
+            <a:extLst>
+              <a:ext uri="{FF2B5EF4-FFF2-40B4-BE49-F238E27FC236}">
+                <a16:creationId xmlns:a16="http://schemas.microsoft.com/office/drawing/2014/main" id="{1D6B9F72-D3DF-E784-12B9-AFC5F387F890}"/>
+              </a:ext>
+            </a:extLst>
+          </p:cNvPr>
+          <p:cNvSpPr txBox="1"/>
+          <p:nvPr/>
+        </p:nvSpPr>
+        <p:spPr>
+          <a:xfrm>
+            <a:off x="10754934" y="262134"/>
+            <a:ext cx="1810250" cy="338554"/>
+          </a:xfrm>
+          <a:prstGeom prst="rect">
+            <a:avLst/>
+          </a:prstGeom>
+          <a:noFill/>
+        </p:spPr>
+        <p:txBody>
+          <a:bodyPr wrap="square" rtlCol="0">
+            <a:spAutoFit/>
+          </a:bodyPr>
+          <a:lstStyle/>
+          <a:p>
+            <a:r>
+              <a:rPr lang="fr-FR" sz="1600" b="1" dirty="0">
+                <a:solidFill>
+                  <a:srgbClr val="000000"/>
+                </a:solidFill>
+                <a:latin typeface="CMU Serif" panose="02000603000000000000" pitchFamily="2" charset="0"/>
+                <a:ea typeface="CMU Serif" panose="02000603000000000000" pitchFamily="2" charset="0"/>
+                <a:cs typeface="CMU Serif" panose="02000603000000000000" pitchFamily="2" charset="0"/>
+              </a:rPr>
+              <a:t>Conclusion</a:t>
+            </a:r>
+            <a:endParaRPr lang="fr-FR" sz="1600" b="1" dirty="0">
+              <a:latin typeface="CMU Serif" panose="02000603000000000000" pitchFamily="2" charset="0"/>
+              <a:ea typeface="CMU Serif" panose="02000603000000000000" pitchFamily="2" charset="0"/>
+              <a:cs typeface="CMU Serif" panose="02000603000000000000" pitchFamily="2" charset="0"/>
+            </a:endParaRPr>
+          </a:p>
+        </p:txBody>
+      </p:sp>
+      <p:pic>
+        <p:nvPicPr>
+          <p:cNvPr id="48" name="Picture 47">
+            <a:extLst>
+              <a:ext uri="{FF2B5EF4-FFF2-40B4-BE49-F238E27FC236}">
+                <a16:creationId xmlns:a16="http://schemas.microsoft.com/office/drawing/2014/main" id="{CFEA3403-5DBB-3210-3C9C-0C04D4075383}"/>
+              </a:ext>
+            </a:extLst>
+          </p:cNvPr>
+          <p:cNvPicPr>
+            <a:picLocks noChangeAspect="1"/>
+          </p:cNvPicPr>
+          <p:nvPr/>
+        </p:nvPicPr>
+        <p:blipFill>
+          <a:blip r:embed="rId2">
+            <a:extLst>
+              <a:ext uri="{28A0092B-C50C-407E-A947-70E740481C1C}">
+                <a14:useLocalDpi xmlns:a14="http://schemas.microsoft.com/office/drawing/2010/main" val="0"/>
+              </a:ext>
+            </a:extLst>
+          </a:blip>
+          <a:stretch>
+            <a:fillRect/>
+          </a:stretch>
+        </p:blipFill>
+        <p:spPr>
+          <a:xfrm>
+            <a:off x="5432894" y="1628775"/>
+            <a:ext cx="1574305" cy="1579570"/>
+          </a:xfrm>
+          <a:prstGeom prst="rect">
+            <a:avLst/>
+          </a:prstGeom>
+        </p:spPr>
+      </p:pic>
+      <p:pic>
+        <p:nvPicPr>
+          <p:cNvPr id="50" name="Picture 49">
+            <a:extLst>
+              <a:ext uri="{FF2B5EF4-FFF2-40B4-BE49-F238E27FC236}">
+                <a16:creationId xmlns:a16="http://schemas.microsoft.com/office/drawing/2014/main" id="{D4BB6BA9-3FBF-188A-49B5-FBF16FC4FF9E}"/>
+              </a:ext>
+            </a:extLst>
+          </p:cNvPr>
+          <p:cNvPicPr>
+            <a:picLocks noChangeAspect="1"/>
+          </p:cNvPicPr>
+          <p:nvPr/>
+        </p:nvPicPr>
+        <p:blipFill>
+          <a:blip r:embed="rId3">
+            <a:extLst>
+              <a:ext uri="{28A0092B-C50C-407E-A947-70E740481C1C}">
+                <a14:useLocalDpi xmlns:a14="http://schemas.microsoft.com/office/drawing/2010/main" val="0"/>
+              </a:ext>
+            </a:extLst>
+          </a:blip>
+          <a:stretch>
+            <a:fillRect/>
+          </a:stretch>
+        </p:blipFill>
+        <p:spPr>
+          <a:xfrm>
+            <a:off x="9867576" y="1435928"/>
+            <a:ext cx="1406625" cy="1579571"/>
+          </a:xfrm>
+          <a:prstGeom prst="rect">
+            <a:avLst/>
+          </a:prstGeom>
+        </p:spPr>
+      </p:pic>
+      <p:pic>
+        <p:nvPicPr>
+          <p:cNvPr id="52" name="Picture 51">
+            <a:extLst>
+              <a:ext uri="{FF2B5EF4-FFF2-40B4-BE49-F238E27FC236}">
+                <a16:creationId xmlns:a16="http://schemas.microsoft.com/office/drawing/2014/main" id="{18B47035-90F0-B6FC-F1F2-9FCD4C4892A1}"/>
+              </a:ext>
+            </a:extLst>
+          </p:cNvPr>
+          <p:cNvPicPr>
+            <a:picLocks noChangeAspect="1"/>
+          </p:cNvPicPr>
+          <p:nvPr/>
+        </p:nvPicPr>
+        <p:blipFill>
+          <a:blip r:embed="rId4">
+            <a:extLst>
+              <a:ext uri="{28A0092B-C50C-407E-A947-70E740481C1C}">
+                <a14:useLocalDpi xmlns:a14="http://schemas.microsoft.com/office/drawing/2010/main" val="0"/>
+              </a:ext>
+            </a:extLst>
+          </a:blip>
+          <a:stretch>
+            <a:fillRect/>
+          </a:stretch>
+        </p:blipFill>
+        <p:spPr>
+          <a:xfrm>
+            <a:off x="1343109" y="4323311"/>
+            <a:ext cx="3324141" cy="1267151"/>
+          </a:xfrm>
+          <a:prstGeom prst="rect">
+            <a:avLst/>
+          </a:prstGeom>
+        </p:spPr>
+      </p:pic>
+      <p:pic>
+        <p:nvPicPr>
+          <p:cNvPr id="54" name="Picture 53">
+            <a:extLst>
+              <a:ext uri="{FF2B5EF4-FFF2-40B4-BE49-F238E27FC236}">
+                <a16:creationId xmlns:a16="http://schemas.microsoft.com/office/drawing/2014/main" id="{119100D1-E7D3-9D5E-0EBA-05F2D6E18F50}"/>
+              </a:ext>
+            </a:extLst>
+          </p:cNvPr>
+          <p:cNvPicPr>
+            <a:picLocks noChangeAspect="1"/>
+          </p:cNvPicPr>
+          <p:nvPr/>
+        </p:nvPicPr>
+        <p:blipFill>
+          <a:blip r:embed="rId5">
+            <a:extLst>
+              <a:ext uri="{28A0092B-C50C-407E-A947-70E740481C1C}">
+                <a14:useLocalDpi xmlns:a14="http://schemas.microsoft.com/office/drawing/2010/main" val="0"/>
+              </a:ext>
+            </a:extLst>
+          </a:blip>
+          <a:stretch>
+            <a:fillRect/>
+          </a:stretch>
+        </p:blipFill>
+        <p:spPr>
+          <a:xfrm>
+            <a:off x="8374098" y="3767913"/>
+            <a:ext cx="1189002" cy="1305570"/>
+          </a:xfrm>
+          <a:prstGeom prst="rect">
+            <a:avLst/>
+          </a:prstGeom>
+        </p:spPr>
+      </p:pic>
+      <p:sp>
+        <p:nvSpPr>
+          <p:cNvPr id="56" name="TextBox 55">
+            <a:extLst>
+              <a:ext uri="{FF2B5EF4-FFF2-40B4-BE49-F238E27FC236}">
+                <a16:creationId xmlns:a16="http://schemas.microsoft.com/office/drawing/2014/main" id="{1682BC7D-C2E2-0C16-0FEA-D9C6AC07FFAB}"/>
+              </a:ext>
+            </a:extLst>
+          </p:cNvPr>
+          <p:cNvSpPr txBox="1"/>
+          <p:nvPr/>
+        </p:nvSpPr>
+        <p:spPr>
+          <a:xfrm>
+            <a:off x="1176667" y="910656"/>
+            <a:ext cx="8087710" cy="461665"/>
+          </a:xfrm>
+          <a:prstGeom prst="rect">
+            <a:avLst/>
+          </a:prstGeom>
+          <a:noFill/>
+        </p:spPr>
+        <p:txBody>
+          <a:bodyPr wrap="square">
+            <a:spAutoFit/>
+          </a:bodyPr>
+          <a:lstStyle/>
+          <a:p>
+            <a:r>
+              <a:rPr lang="fr-FR" sz="2400" b="1" dirty="0">
+                <a:latin typeface="CMU Serif" panose="02000603000000000000" pitchFamily="2" charset="0"/>
+                <a:ea typeface="CMU Serif" panose="02000603000000000000" pitchFamily="2" charset="0"/>
+                <a:cs typeface="CMU Serif" panose="02000603000000000000" pitchFamily="2" charset="0"/>
+              </a:rPr>
+              <a:t> Étude Technique </a:t>
+            </a:r>
+          </a:p>
+        </p:txBody>
+      </p:sp>
+      <p:pic>
+        <p:nvPicPr>
+          <p:cNvPr id="58" name="Picture 57">
+            <a:extLst>
+              <a:ext uri="{FF2B5EF4-FFF2-40B4-BE49-F238E27FC236}">
+                <a16:creationId xmlns:a16="http://schemas.microsoft.com/office/drawing/2014/main" id="{3D04B514-DACB-FEC5-18B8-DA83EF94E3AB}"/>
+              </a:ext>
+            </a:extLst>
+          </p:cNvPr>
+          <p:cNvPicPr>
+            <a:picLocks noChangeAspect="1"/>
+          </p:cNvPicPr>
+          <p:nvPr/>
+        </p:nvPicPr>
+        <p:blipFill>
+          <a:blip r:embed="rId6">
+            <a:extLst>
+              <a:ext uri="{28A0092B-C50C-407E-A947-70E740481C1C}">
+                <a14:useLocalDpi xmlns:a14="http://schemas.microsoft.com/office/drawing/2010/main" val="0"/>
+              </a:ext>
+            </a:extLst>
+          </a:blip>
+          <a:stretch>
+            <a:fillRect/>
+          </a:stretch>
+        </p:blipFill>
+        <p:spPr>
+          <a:xfrm>
+            <a:off x="1204381" y="1486998"/>
+            <a:ext cx="2280915" cy="2280915"/>
+          </a:xfrm>
+          <a:prstGeom prst="rect">
+            <a:avLst/>
+          </a:prstGeom>
+        </p:spPr>
+      </p:pic>
+      <p:pic>
+        <p:nvPicPr>
+          <p:cNvPr id="59" name="Picture 58">
+            <a:extLst>
+              <a:ext uri="{FF2B5EF4-FFF2-40B4-BE49-F238E27FC236}">
+                <a16:creationId xmlns:a16="http://schemas.microsoft.com/office/drawing/2014/main" id="{CFB94C30-AEAB-044C-3101-F24FC6C63DEF}"/>
+              </a:ext>
+            </a:extLst>
+          </p:cNvPr>
+          <p:cNvPicPr>
+            <a:picLocks noChangeAspect="1"/>
+          </p:cNvPicPr>
+          <p:nvPr/>
+        </p:nvPicPr>
+        <p:blipFill>
+          <a:blip r:embed="rId7" cstate="print">
+            <a:extLst>
+              <a:ext uri="{28A0092B-C50C-407E-A947-70E740481C1C}">
+                <a14:useLocalDpi xmlns:a14="http://schemas.microsoft.com/office/drawing/2010/main" val="0"/>
+              </a:ext>
+            </a:extLst>
+          </a:blip>
+          <a:srcRect/>
+          <a:stretch>
+            <a:fillRect/>
+          </a:stretch>
+        </p:blipFill>
+        <p:spPr bwMode="auto">
+          <a:xfrm>
+            <a:off x="6129112" y="4255228"/>
+            <a:ext cx="1395640" cy="1395640"/>
+          </a:xfrm>
+          <a:prstGeom prst="rect">
+            <a:avLst/>
+          </a:prstGeom>
+          <a:noFill/>
+          <a:ln>
+            <a:noFill/>
+          </a:ln>
+        </p:spPr>
+      </p:pic>
+      <p:pic>
+        <p:nvPicPr>
+          <p:cNvPr id="60" name="Picture 59">
+            <a:extLst>
+              <a:ext uri="{FF2B5EF4-FFF2-40B4-BE49-F238E27FC236}">
+                <a16:creationId xmlns:a16="http://schemas.microsoft.com/office/drawing/2014/main" id="{FC70655A-7D1E-4712-429F-49A388DE2772}"/>
+              </a:ext>
+            </a:extLst>
+          </p:cNvPr>
+          <p:cNvPicPr>
+            <a:picLocks noChangeAspect="1"/>
+          </p:cNvPicPr>
+          <p:nvPr/>
+        </p:nvPicPr>
+        <p:blipFill>
+          <a:blip r:embed="rId8" cstate="print">
+            <a:extLst>
+              <a:ext uri="{28A0092B-C50C-407E-A947-70E740481C1C}">
+                <a14:useLocalDpi xmlns:a14="http://schemas.microsoft.com/office/drawing/2010/main" val="0"/>
+              </a:ext>
+            </a:extLst>
+          </a:blip>
+          <a:srcRect/>
+          <a:stretch>
+            <a:fillRect/>
+          </a:stretch>
+        </p:blipFill>
+        <p:spPr bwMode="auto">
+          <a:xfrm>
+            <a:off x="3077971" y="3461712"/>
+            <a:ext cx="2424432" cy="623889"/>
+          </a:xfrm>
+          <a:prstGeom prst="rect">
+            <a:avLst/>
+          </a:prstGeom>
+          <a:noFill/>
+          <a:ln>
+            <a:noFill/>
+          </a:ln>
+        </p:spPr>
+      </p:pic>
+      <p:pic>
+        <p:nvPicPr>
+          <p:cNvPr id="61" name="Graphic 1">
+            <a:extLst>
+              <a:ext uri="{FF2B5EF4-FFF2-40B4-BE49-F238E27FC236}">
+                <a16:creationId xmlns:a16="http://schemas.microsoft.com/office/drawing/2014/main" id="{A63F3CC3-6F41-0096-087C-ABEC256C408B}"/>
+              </a:ext>
+            </a:extLst>
+          </p:cNvPr>
+          <p:cNvPicPr>
+            <a:picLocks noChangeAspect="1"/>
+          </p:cNvPicPr>
+          <p:nvPr/>
+        </p:nvPicPr>
+        <p:blipFill>
+          <a:blip r:embed="rId9" cstate="print">
+            <a:extLst>
+              <a:ext uri="{28A0092B-C50C-407E-A947-70E740481C1C}">
+                <a14:useLocalDpi xmlns:a14="http://schemas.microsoft.com/office/drawing/2010/main" val="0"/>
+              </a:ext>
+            </a:extLst>
+          </a:blip>
+          <a:stretch>
+            <a:fillRect/>
+          </a:stretch>
+        </p:blipFill>
+        <p:spPr>
+          <a:xfrm>
+            <a:off x="7715358" y="1823872"/>
+            <a:ext cx="1549019" cy="1395640"/>
+          </a:xfrm>
+          <a:prstGeom prst="rect">
+            <a:avLst/>
+          </a:prstGeom>
+        </p:spPr>
+      </p:pic>
+      <p:pic>
+        <p:nvPicPr>
+          <p:cNvPr id="62" name="Picture 61">
+            <a:extLst>
+              <a:ext uri="{FF2B5EF4-FFF2-40B4-BE49-F238E27FC236}">
+                <a16:creationId xmlns:a16="http://schemas.microsoft.com/office/drawing/2014/main" id="{26244A7D-8AD3-7C77-53FE-7F04B72703F1}"/>
+              </a:ext>
+            </a:extLst>
+          </p:cNvPr>
+          <p:cNvPicPr>
+            <a:picLocks noChangeAspect="1"/>
+          </p:cNvPicPr>
+          <p:nvPr/>
+        </p:nvPicPr>
+        <p:blipFill>
+          <a:blip r:embed="rId10" cstate="print">
+            <a:extLst>
+              <a:ext uri="{28A0092B-C50C-407E-A947-70E740481C1C}">
+                <a14:useLocalDpi xmlns:a14="http://schemas.microsoft.com/office/drawing/2010/main" val="0"/>
+              </a:ext>
+            </a:extLst>
+          </a:blip>
+          <a:srcRect/>
+          <a:stretch>
+            <a:fillRect/>
+          </a:stretch>
+        </p:blipFill>
+        <p:spPr bwMode="auto">
+          <a:xfrm>
+            <a:off x="3336959" y="1814345"/>
+            <a:ext cx="1566191" cy="1013789"/>
+          </a:xfrm>
+          <a:prstGeom prst="rect">
+            <a:avLst/>
+          </a:prstGeom>
+          <a:noFill/>
+          <a:ln>
+            <a:noFill/>
+          </a:ln>
+        </p:spPr>
+      </p:pic>
+      <p:pic>
+        <p:nvPicPr>
+          <p:cNvPr id="63" name="Picture 62">
+            <a:extLst>
+              <a:ext uri="{FF2B5EF4-FFF2-40B4-BE49-F238E27FC236}">
+                <a16:creationId xmlns:a16="http://schemas.microsoft.com/office/drawing/2014/main" id="{48F05839-34A6-CACB-326B-341C52DDB9FF}"/>
+              </a:ext>
+            </a:extLst>
+          </p:cNvPr>
+          <p:cNvPicPr>
+            <a:picLocks noChangeAspect="1"/>
+          </p:cNvPicPr>
+          <p:nvPr/>
+        </p:nvPicPr>
+        <p:blipFill>
+          <a:blip r:embed="rId11" cstate="print">
+            <a:extLst>
+              <a:ext uri="{28A0092B-C50C-407E-A947-70E740481C1C}">
+                <a14:useLocalDpi xmlns:a14="http://schemas.microsoft.com/office/drawing/2010/main" val="0"/>
+              </a:ext>
+            </a:extLst>
+          </a:blip>
+          <a:srcRect/>
+          <a:stretch>
+            <a:fillRect/>
+          </a:stretch>
+        </p:blipFill>
+        <p:spPr bwMode="auto">
+          <a:xfrm>
+            <a:off x="9993512" y="4618797"/>
+            <a:ext cx="1246915" cy="1246915"/>
+          </a:xfrm>
+          <a:prstGeom prst="rect">
+            <a:avLst/>
+          </a:prstGeom>
+          <a:noFill/>
+          <a:ln>
+            <a:noFill/>
+          </a:ln>
+        </p:spPr>
+      </p:pic>
+      <p:pic>
+        <p:nvPicPr>
+          <p:cNvPr id="64" name="Picture 63">
+            <a:extLst>
+              <a:ext uri="{FF2B5EF4-FFF2-40B4-BE49-F238E27FC236}">
+                <a16:creationId xmlns:a16="http://schemas.microsoft.com/office/drawing/2014/main" id="{511858DF-35B7-AA95-CEBD-A00F9D501627}"/>
+              </a:ext>
+            </a:extLst>
+          </p:cNvPr>
+          <p:cNvPicPr>
+            <a:picLocks noChangeAspect="1"/>
+          </p:cNvPicPr>
+          <p:nvPr/>
+        </p:nvPicPr>
+        <p:blipFill>
+          <a:blip r:embed="rId12" cstate="print">
+            <a:extLst>
+              <a:ext uri="{28A0092B-C50C-407E-A947-70E740481C1C}">
+                <a14:useLocalDpi xmlns:a14="http://schemas.microsoft.com/office/drawing/2010/main" val="0"/>
+              </a:ext>
+            </a:extLst>
+          </a:blip>
+          <a:srcRect/>
+          <a:stretch>
+            <a:fillRect/>
+          </a:stretch>
+        </p:blipFill>
+        <p:spPr bwMode="auto">
+          <a:xfrm>
+            <a:off x="9693948" y="2968723"/>
+            <a:ext cx="2121971" cy="1108722"/>
+          </a:xfrm>
+          <a:prstGeom prst="rect">
+            <a:avLst/>
+          </a:prstGeom>
+          <a:noFill/>
+          <a:ln>
+            <a:noFill/>
+          </a:ln>
+        </p:spPr>
+      </p:pic>
+      <p:pic>
+        <p:nvPicPr>
+          <p:cNvPr id="65" name="Picture 64">
+            <a:extLst>
+              <a:ext uri="{FF2B5EF4-FFF2-40B4-BE49-F238E27FC236}">
+                <a16:creationId xmlns:a16="http://schemas.microsoft.com/office/drawing/2014/main" id="{59A5EA4B-0A8D-2881-E7D9-38E8AAA51F84}"/>
+              </a:ext>
+            </a:extLst>
+          </p:cNvPr>
+          <p:cNvPicPr>
+            <a:picLocks noChangeAspect="1"/>
+          </p:cNvPicPr>
+          <p:nvPr/>
+        </p:nvPicPr>
+        <p:blipFill>
+          <a:blip r:embed="rId13" cstate="print">
+            <a:extLst>
+              <a:ext uri="{28A0092B-C50C-407E-A947-70E740481C1C}">
+                <a14:useLocalDpi xmlns:a14="http://schemas.microsoft.com/office/drawing/2010/main" val="0"/>
+              </a:ext>
+            </a:extLst>
+          </a:blip>
+          <a:srcRect/>
+          <a:stretch>
+            <a:fillRect/>
+          </a:stretch>
+        </p:blipFill>
+        <p:spPr bwMode="auto">
+          <a:xfrm>
+            <a:off x="6204045" y="3201851"/>
+            <a:ext cx="2134562" cy="834332"/>
+          </a:xfrm>
+          <a:prstGeom prst="rect">
+            <a:avLst/>
+          </a:prstGeom>
+          <a:noFill/>
+          <a:ln>
+            <a:noFill/>
+          </a:ln>
+        </p:spPr>
+      </p:pic>
+      <p:pic>
+        <p:nvPicPr>
+          <p:cNvPr id="66" name="Picture 65">
+            <a:extLst>
+              <a:ext uri="{FF2B5EF4-FFF2-40B4-BE49-F238E27FC236}">
+                <a16:creationId xmlns:a16="http://schemas.microsoft.com/office/drawing/2014/main" id="{F1DB6BF2-F256-36A1-B03B-C72C7FBA7838}"/>
+              </a:ext>
+            </a:extLst>
+          </p:cNvPr>
+          <p:cNvPicPr>
+            <a:picLocks noChangeAspect="1"/>
+          </p:cNvPicPr>
+          <p:nvPr/>
+        </p:nvPicPr>
+        <p:blipFill>
+          <a:blip r:embed="rId14" cstate="print">
+            <a:extLst>
+              <a:ext uri="{28A0092B-C50C-407E-A947-70E740481C1C}">
+                <a14:useLocalDpi xmlns:a14="http://schemas.microsoft.com/office/drawing/2010/main" val="0"/>
+              </a:ext>
+            </a:extLst>
+          </a:blip>
+          <a:srcRect/>
+          <a:stretch>
+            <a:fillRect/>
+          </a:stretch>
+        </p:blipFill>
+        <p:spPr bwMode="auto">
+          <a:xfrm>
+            <a:off x="7685606" y="5414162"/>
+            <a:ext cx="1877494" cy="789609"/>
+          </a:xfrm>
+          <a:prstGeom prst="rect">
+            <a:avLst/>
+          </a:prstGeom>
+          <a:noFill/>
+          <a:ln>
+            <a:noFill/>
+          </a:ln>
+        </p:spPr>
+      </p:pic>
+      <p:pic>
+        <p:nvPicPr>
+          <p:cNvPr id="67" name="Picture 66">
+            <a:extLst>
+              <a:ext uri="{FF2B5EF4-FFF2-40B4-BE49-F238E27FC236}">
+                <a16:creationId xmlns:a16="http://schemas.microsoft.com/office/drawing/2014/main" id="{C8BE5838-2083-9AC5-2C23-2637207D903F}"/>
+              </a:ext>
+            </a:extLst>
+          </p:cNvPr>
+          <p:cNvPicPr>
+            <a:picLocks noChangeAspect="1"/>
+          </p:cNvPicPr>
+          <p:nvPr/>
+        </p:nvPicPr>
+        <p:blipFill>
+          <a:blip r:embed="rId15" cstate="print">
+            <a:extLst>
+              <a:ext uri="{28A0092B-C50C-407E-A947-70E740481C1C}">
+                <a14:useLocalDpi xmlns:a14="http://schemas.microsoft.com/office/drawing/2010/main" val="0"/>
+              </a:ext>
+            </a:extLst>
+          </a:blip>
+          <a:srcRect/>
+          <a:stretch>
+            <a:fillRect/>
+          </a:stretch>
+        </p:blipFill>
+        <p:spPr bwMode="auto">
+          <a:xfrm>
+            <a:off x="4066954" y="5609259"/>
+            <a:ext cx="2425623" cy="737515"/>
+          </a:xfrm>
+          <a:prstGeom prst="rect">
+            <a:avLst/>
+          </a:prstGeom>
+          <a:noFill/>
+          <a:ln>
+            <a:noFill/>
+          </a:ln>
+        </p:spPr>
+      </p:pic>
+      <p:pic>
+        <p:nvPicPr>
+          <p:cNvPr id="68" name="Picture 67">
+            <a:extLst>
+              <a:ext uri="{FF2B5EF4-FFF2-40B4-BE49-F238E27FC236}">
+                <a16:creationId xmlns:a16="http://schemas.microsoft.com/office/drawing/2014/main" id="{C8360EF2-85AC-ECD2-91C4-04EEC9AF9589}"/>
+              </a:ext>
+            </a:extLst>
+          </p:cNvPr>
+          <p:cNvPicPr>
+            <a:picLocks noChangeAspect="1"/>
+          </p:cNvPicPr>
+          <p:nvPr/>
+        </p:nvPicPr>
+        <p:blipFill>
+          <a:blip r:embed="rId16" cstate="print">
+            <a:extLst>
+              <a:ext uri="{28A0092B-C50C-407E-A947-70E740481C1C}">
+                <a14:useLocalDpi xmlns:a14="http://schemas.microsoft.com/office/drawing/2010/main" val="0"/>
+              </a:ext>
+            </a:extLst>
+          </a:blip>
+          <a:srcRect/>
+          <a:stretch>
+            <a:fillRect/>
+          </a:stretch>
+        </p:blipFill>
+        <p:spPr bwMode="auto">
+          <a:xfrm>
+            <a:off x="376080" y="3278196"/>
+            <a:ext cx="1261349" cy="1261349"/>
+          </a:xfrm>
+          <a:prstGeom prst="rect">
+            <a:avLst/>
+          </a:prstGeom>
+          <a:noFill/>
+          <a:ln>
+            <a:noFill/>
+          </a:ln>
+        </p:spPr>
+      </p:pic>
+      <p:pic>
+        <p:nvPicPr>
+          <p:cNvPr id="69" name="Picture 68">
+            <a:extLst>
+              <a:ext uri="{FF2B5EF4-FFF2-40B4-BE49-F238E27FC236}">
+                <a16:creationId xmlns:a16="http://schemas.microsoft.com/office/drawing/2014/main" id="{12BC458C-0526-7015-E603-45DD4D27A17F}"/>
+              </a:ext>
+            </a:extLst>
+          </p:cNvPr>
+          <p:cNvPicPr>
+            <a:picLocks noChangeAspect="1"/>
+          </p:cNvPicPr>
+          <p:nvPr/>
+        </p:nvPicPr>
+        <p:blipFill>
+          <a:blip r:embed="rId17" cstate="print">
+            <a:extLst>
+              <a:ext uri="{28A0092B-C50C-407E-A947-70E740481C1C}">
+                <a14:useLocalDpi xmlns:a14="http://schemas.microsoft.com/office/drawing/2010/main" val="0"/>
+              </a:ext>
+            </a:extLst>
+          </a:blip>
+          <a:srcRect/>
+          <a:stretch>
+            <a:fillRect/>
+          </a:stretch>
+        </p:blipFill>
+        <p:spPr bwMode="auto">
+          <a:xfrm>
+            <a:off x="6915233" y="905599"/>
+            <a:ext cx="1139729" cy="1060657"/>
+          </a:xfrm>
+          <a:prstGeom prst="rect">
+            <a:avLst/>
+          </a:prstGeom>
+          <a:noFill/>
+          <a:ln>
+            <a:noFill/>
+          </a:ln>
+        </p:spPr>
+      </p:pic>
+      <p:pic>
+        <p:nvPicPr>
+          <p:cNvPr id="70" name="Picture 69">
+            <a:extLst>
+              <a:ext uri="{FF2B5EF4-FFF2-40B4-BE49-F238E27FC236}">
+                <a16:creationId xmlns:a16="http://schemas.microsoft.com/office/drawing/2014/main" id="{454A031B-846F-CDFC-436B-3D5B6CD1E445}"/>
+              </a:ext>
+            </a:extLst>
+          </p:cNvPr>
+          <p:cNvPicPr>
+            <a:picLocks noChangeAspect="1"/>
+          </p:cNvPicPr>
+          <p:nvPr/>
+        </p:nvPicPr>
+        <p:blipFill>
+          <a:blip r:embed="rId18">
+            <a:extLst>
+              <a:ext uri="{28A0092B-C50C-407E-A947-70E740481C1C}">
+                <a14:useLocalDpi xmlns:a14="http://schemas.microsoft.com/office/drawing/2010/main" val="0"/>
+              </a:ext>
+            </a:extLst>
+          </a:blip>
+          <a:stretch>
+            <a:fillRect/>
+          </a:stretch>
+        </p:blipFill>
+        <p:spPr>
+          <a:xfrm>
+            <a:off x="424862" y="1548732"/>
+            <a:ext cx="1163784" cy="1163784"/>
+          </a:xfrm>
+          <a:prstGeom prst="rect">
+            <a:avLst/>
+          </a:prstGeom>
+        </p:spPr>
+      </p:pic>
+      <p:sp>
+        <p:nvSpPr>
+          <p:cNvPr id="2" name="TextBox 1">
+            <a:extLst>
+              <a:ext uri="{FF2B5EF4-FFF2-40B4-BE49-F238E27FC236}">
+                <a16:creationId xmlns:a16="http://schemas.microsoft.com/office/drawing/2014/main" id="{DABD015F-F1E7-38E6-FC2F-101B1FC522E6}"/>
+              </a:ext>
+            </a:extLst>
+          </p:cNvPr>
+          <p:cNvSpPr txBox="1"/>
+          <p:nvPr/>
+        </p:nvSpPr>
+        <p:spPr>
+          <a:xfrm>
+            <a:off x="1577629" y="1514020"/>
+            <a:ext cx="8087710" cy="400110"/>
+          </a:xfrm>
+          <a:prstGeom prst="rect">
+            <a:avLst/>
+          </a:prstGeom>
+          <a:noFill/>
+        </p:spPr>
+        <p:txBody>
+          <a:bodyPr wrap="square">
+            <a:spAutoFit/>
+          </a:bodyPr>
+          <a:lstStyle/>
+          <a:p>
+            <a:r>
+              <a:rPr lang="fr-FR" sz="2000" b="1" dirty="0">
+                <a:latin typeface="CMU Serif" panose="02000603000000000000" pitchFamily="2" charset="0"/>
+                <a:ea typeface="CMU Serif" panose="02000603000000000000" pitchFamily="2" charset="0"/>
+                <a:cs typeface="CMU Serif" panose="02000603000000000000" pitchFamily="2" charset="0"/>
+              </a:rPr>
+              <a:t>Côté Back End</a:t>
+            </a:r>
+          </a:p>
+        </p:txBody>
+      </p:sp>
+    </p:spTree>
+    <p:extLst>
+      <p:ext uri="{BB962C8B-B14F-4D97-AF65-F5344CB8AC3E}">
+        <p14:creationId xmlns:p14="http://schemas.microsoft.com/office/powerpoint/2010/main" val="2025813994"/>
+      </p:ext>
+    </p:extLst>
+  </p:cSld>
+  <p:clrMapOvr>
+    <a:masterClrMapping/>
+  </p:clrMapOvr>
+  <p:timing>
+    <p:tnLst>
+      <p:par>
+        <p:cTn id="1" dur="indefinite" restart="never" nodeType="tmRoot">
+          <p:childTnLst>
+            <p:seq concurrent="1" nextAc="seek">
+              <p:cTn id="2" dur="indefinite" nodeType="mainSeq">
+                <p:childTnLst>
+                  <p:par>
+                    <p:cTn id="3" fill="hold">
+                      <p:stCondLst>
+                        <p:cond delay="indefinite"/>
+                        <p:cond evt="onBegin" delay="0">
+                          <p:tn val="2"/>
+                        </p:cond>
+                      </p:stCondLst>
+                      <p:childTnLst>
+                        <p:par>
+                          <p:cTn id="4" fill="hold">
+                            <p:stCondLst>
+                              <p:cond delay="0"/>
+                            </p:stCondLst>
+                            <p:childTnLst>
+                              <p:par>
+                                <p:cTn id="5" presetID="3" presetClass="emph" presetSubtype="2" fill="hold" grpId="0" nodeType="withEffect">
+                                  <p:stCondLst>
+                                    <p:cond delay="0"/>
+                                  </p:stCondLst>
+                                  <p:childTnLst>
+                                    <p:animClr clrSpc="rgb" dir="cw">
+                                      <p:cBhvr override="childStyle">
+                                        <p:cTn id="6" dur="2000" fill="hold"/>
+                                        <p:tgtEl>
+                                          <p:spTgt spid="10"/>
+                                        </p:tgtEl>
+                                        <p:attrNameLst>
+                                          <p:attrName>style.color</p:attrName>
+                                        </p:attrNameLst>
+                                      </p:cBhvr>
+                                      <p:to>
+                                        <a:srgbClr val="000000"/>
+                                      </p:to>
+                                    </p:animClr>
+                                  </p:childTnLst>
+                                </p:cTn>
+                              </p:par>
+                              <p:par>
+                                <p:cTn id="7" presetID="2" presetClass="entr" presetSubtype="8" fill="hold" nodeType="withEffect">
+                                  <p:stCondLst>
+                                    <p:cond delay="0"/>
+                                  </p:stCondLst>
+                                  <p:childTnLst>
+                                    <p:set>
+                                      <p:cBhvr>
+                                        <p:cTn id="8" dur="1" fill="hold">
+                                          <p:stCondLst>
+                                            <p:cond delay="0"/>
+                                          </p:stCondLst>
+                                        </p:cTn>
+                                        <p:tgtEl>
+                                          <p:spTgt spid="70"/>
+                                        </p:tgtEl>
+                                        <p:attrNameLst>
+                                          <p:attrName>style.visibility</p:attrName>
+                                        </p:attrNameLst>
+                                      </p:cBhvr>
+                                      <p:to>
+                                        <p:strVal val="visible"/>
+                                      </p:to>
+                                    </p:set>
+                                    <p:anim calcmode="lin" valueType="num">
+                                      <p:cBhvr additive="base">
+                                        <p:cTn id="9" dur="250" fill="hold"/>
+                                        <p:tgtEl>
+                                          <p:spTgt spid="70"/>
+                                        </p:tgtEl>
+                                        <p:attrNameLst>
+                                          <p:attrName>ppt_x</p:attrName>
+                                        </p:attrNameLst>
+                                      </p:cBhvr>
+                                      <p:tavLst>
+                                        <p:tav tm="0">
+                                          <p:val>
+                                            <p:strVal val="0-#ppt_w/2"/>
+                                          </p:val>
+                                        </p:tav>
+                                        <p:tav tm="100000">
+                                          <p:val>
+                                            <p:strVal val="#ppt_x"/>
+                                          </p:val>
+                                        </p:tav>
+                                      </p:tavLst>
+                                    </p:anim>
+                                    <p:anim calcmode="lin" valueType="num">
+                                      <p:cBhvr additive="base">
+                                        <p:cTn id="10" dur="250" fill="hold"/>
+                                        <p:tgtEl>
+                                          <p:spTgt spid="70"/>
+                                        </p:tgtEl>
+                                        <p:attrNameLst>
+                                          <p:attrName>ppt_y</p:attrName>
+                                        </p:attrNameLst>
+                                      </p:cBhvr>
+                                      <p:tavLst>
+                                        <p:tav tm="0">
+                                          <p:val>
+                                            <p:strVal val="#ppt_y"/>
+                                          </p:val>
+                                        </p:tav>
+                                        <p:tav tm="100000">
+                                          <p:val>
+                                            <p:strVal val="#ppt_y"/>
+                                          </p:val>
+                                        </p:tav>
+                                      </p:tavLst>
+                                    </p:anim>
+                                  </p:childTnLst>
+                                </p:cTn>
+                              </p:par>
+                            </p:childTnLst>
+                          </p:cTn>
+                        </p:par>
+                      </p:childTnLst>
+                    </p:cTn>
+                  </p:par>
+                  <p:par>
+                    <p:cTn id="11" fill="hold">
+                      <p:stCondLst>
+                        <p:cond delay="indefinite"/>
+                      </p:stCondLst>
+                      <p:childTnLst>
+                        <p:par>
+                          <p:cTn id="12" fill="hold">
+                            <p:stCondLst>
+                              <p:cond delay="0"/>
+                            </p:stCondLst>
+                            <p:childTnLst>
+                              <p:par>
+                                <p:cTn id="13" presetID="2" presetClass="exit" presetSubtype="8" fill="hold" nodeType="clickEffect">
+                                  <p:stCondLst>
+                                    <p:cond delay="0"/>
+                                  </p:stCondLst>
+                                  <p:childTnLst>
+                                    <p:anim calcmode="lin" valueType="num">
+                                      <p:cBhvr additive="base">
+                                        <p:cTn id="14" dur="250"/>
+                                        <p:tgtEl>
+                                          <p:spTgt spid="70"/>
+                                        </p:tgtEl>
+                                        <p:attrNameLst>
+                                          <p:attrName>ppt_x</p:attrName>
+                                        </p:attrNameLst>
+                                      </p:cBhvr>
+                                      <p:tavLst>
+                                        <p:tav tm="0">
+                                          <p:val>
+                                            <p:strVal val="ppt_x"/>
+                                          </p:val>
+                                        </p:tav>
+                                        <p:tav tm="100000">
+                                          <p:val>
+                                            <p:strVal val="0-ppt_w/2"/>
+                                          </p:val>
+                                        </p:tav>
+                                      </p:tavLst>
+                                    </p:anim>
+                                    <p:anim calcmode="lin" valueType="num">
+                                      <p:cBhvr additive="base">
+                                        <p:cTn id="15" dur="250"/>
+                                        <p:tgtEl>
+                                          <p:spTgt spid="70"/>
+                                        </p:tgtEl>
+                                        <p:attrNameLst>
+                                          <p:attrName>ppt_y</p:attrName>
+                                        </p:attrNameLst>
+                                      </p:cBhvr>
+                                      <p:tavLst>
+                                        <p:tav tm="0">
+                                          <p:val>
+                                            <p:strVal val="ppt_y"/>
+                                          </p:val>
+                                        </p:tav>
+                                        <p:tav tm="100000">
+                                          <p:val>
+                                            <p:strVal val="ppt_y"/>
+                                          </p:val>
+                                        </p:tav>
+                                      </p:tavLst>
+                                    </p:anim>
+                                    <p:set>
+                                      <p:cBhvr>
+                                        <p:cTn id="16" dur="1" fill="hold">
+                                          <p:stCondLst>
+                                            <p:cond delay="249"/>
+                                          </p:stCondLst>
+                                        </p:cTn>
+                                        <p:tgtEl>
+                                          <p:spTgt spid="70"/>
+                                        </p:tgtEl>
+                                        <p:attrNameLst>
+                                          <p:attrName>style.visibility</p:attrName>
+                                        </p:attrNameLst>
+                                      </p:cBhvr>
+                                      <p:to>
+                                        <p:strVal val="hidden"/>
+                                      </p:to>
+                                    </p:set>
+                                  </p:childTnLst>
+                                </p:cTn>
+                              </p:par>
+                            </p:childTnLst>
+                          </p:cTn>
+                        </p:par>
+                      </p:childTnLst>
+                    </p:cTn>
+                  </p:par>
+                </p:childTnLst>
+              </p:cTn>
+              <p:prevCondLst>
+                <p:cond evt="onPrev" delay="0">
+                  <p:tgtEl>
+                    <p:sldTgt/>
+                  </p:tgtEl>
+                </p:cond>
+              </p:prevCondLst>
+              <p:nextCondLst>
+                <p:cond evt="onNext" delay="0">
+                  <p:tgtEl>
+                    <p:sldTgt/>
+                  </p:tgtEl>
+                </p:cond>
+              </p:nextCondLst>
+            </p:seq>
+          </p:childTnLst>
+        </p:cTn>
+      </p:par>
+    </p:tnLst>
+    <p:bldLst>
+      <p:bldP spid="10" grpId="0"/>
+    </p:bldLst>
+  </p:timing>
+</p:sld>
+</file>
+
+<file path=ppt/slides/slide13.xml><?xml version="1.0" encoding="utf-8"?>
 <p:sld xmlns:a="http://schemas.openxmlformats.org/drawingml/2006/main" xmlns:r="http://schemas.openxmlformats.org/officeDocument/2006/relationships" xmlns:p="http://schemas.openxmlformats.org/presentationml/2006/main">
   <p:cSld>
     <p:spTree>
@@ -6560,7 +8444,7 @@
 </p:sld>
 </file>
 
-<file path=ppt/slides/slide12.xml><?xml version="1.0" encoding="utf-8"?>
+<file path=ppt/slides/slide14.xml><?xml version="1.0" encoding="utf-8"?>
 <p:sld xmlns:a="http://schemas.openxmlformats.org/drawingml/2006/main" xmlns:r="http://schemas.openxmlformats.org/officeDocument/2006/relationships" xmlns:p="http://schemas.openxmlformats.org/presentationml/2006/main">
   <p:cSld>
     <p:spTree>

--- a/PRESENTATION PFA/Presentatin PFA .pptx
+++ b/PRESENTATION PFA/Presentatin PFA .pptx
@@ -2589,7 +2589,7 @@
           <a:p>
             <a:fld id="{A17392EB-1A60-4B19-91D3-835E6577BF0E}" type="datetimeFigureOut">
               <a:rPr lang="fr-FR" smtClean="0"/>
-              <a:t>26/05/2024</a:t>
+              <a:t>28/05/2024</a:t>
             </a:fld>
             <a:endParaRPr lang="fr-FR"/>
           </a:p>
@@ -2789,7 +2789,7 @@
           <a:p>
             <a:fld id="{A17392EB-1A60-4B19-91D3-835E6577BF0E}" type="datetimeFigureOut">
               <a:rPr lang="fr-FR" smtClean="0"/>
-              <a:t>26/05/2024</a:t>
+              <a:t>28/05/2024</a:t>
             </a:fld>
             <a:endParaRPr lang="fr-FR"/>
           </a:p>
@@ -2999,7 +2999,7 @@
           <a:p>
             <a:fld id="{A17392EB-1A60-4B19-91D3-835E6577BF0E}" type="datetimeFigureOut">
               <a:rPr lang="fr-FR" smtClean="0"/>
-              <a:t>26/05/2024</a:t>
+              <a:t>28/05/2024</a:t>
             </a:fld>
             <a:endParaRPr lang="fr-FR"/>
           </a:p>
@@ -3199,7 +3199,7 @@
           <a:p>
             <a:fld id="{A17392EB-1A60-4B19-91D3-835E6577BF0E}" type="datetimeFigureOut">
               <a:rPr lang="fr-FR" smtClean="0"/>
-              <a:t>26/05/2024</a:t>
+              <a:t>28/05/2024</a:t>
             </a:fld>
             <a:endParaRPr lang="fr-FR"/>
           </a:p>
@@ -3475,7 +3475,7 @@
           <a:p>
             <a:fld id="{A17392EB-1A60-4B19-91D3-835E6577BF0E}" type="datetimeFigureOut">
               <a:rPr lang="fr-FR" smtClean="0"/>
-              <a:t>26/05/2024</a:t>
+              <a:t>28/05/2024</a:t>
             </a:fld>
             <a:endParaRPr lang="fr-FR"/>
           </a:p>
@@ -3743,7 +3743,7 @@
           <a:p>
             <a:fld id="{A17392EB-1A60-4B19-91D3-835E6577BF0E}" type="datetimeFigureOut">
               <a:rPr lang="fr-FR" smtClean="0"/>
-              <a:t>26/05/2024</a:t>
+              <a:t>28/05/2024</a:t>
             </a:fld>
             <a:endParaRPr lang="fr-FR"/>
           </a:p>
@@ -4158,7 +4158,7 @@
           <a:p>
             <a:fld id="{A17392EB-1A60-4B19-91D3-835E6577BF0E}" type="datetimeFigureOut">
               <a:rPr lang="fr-FR" smtClean="0"/>
-              <a:t>26/05/2024</a:t>
+              <a:t>28/05/2024</a:t>
             </a:fld>
             <a:endParaRPr lang="fr-FR"/>
           </a:p>
@@ -4300,7 +4300,7 @@
           <a:p>
             <a:fld id="{A17392EB-1A60-4B19-91D3-835E6577BF0E}" type="datetimeFigureOut">
               <a:rPr lang="fr-FR" smtClean="0"/>
-              <a:t>26/05/2024</a:t>
+              <a:t>28/05/2024</a:t>
             </a:fld>
             <a:endParaRPr lang="fr-FR"/>
           </a:p>
@@ -4413,7 +4413,7 @@
           <a:p>
             <a:fld id="{A17392EB-1A60-4B19-91D3-835E6577BF0E}" type="datetimeFigureOut">
               <a:rPr lang="fr-FR" smtClean="0"/>
-              <a:t>26/05/2024</a:t>
+              <a:t>28/05/2024</a:t>
             </a:fld>
             <a:endParaRPr lang="fr-FR"/>
           </a:p>
@@ -4726,7 +4726,7 @@
           <a:p>
             <a:fld id="{A17392EB-1A60-4B19-91D3-835E6577BF0E}" type="datetimeFigureOut">
               <a:rPr lang="fr-FR" smtClean="0"/>
-              <a:t>26/05/2024</a:t>
+              <a:t>28/05/2024</a:t>
             </a:fld>
             <a:endParaRPr lang="fr-FR"/>
           </a:p>
@@ -5015,7 +5015,7 @@
           <a:p>
             <a:fld id="{A17392EB-1A60-4B19-91D3-835E6577BF0E}" type="datetimeFigureOut">
               <a:rPr lang="fr-FR" smtClean="0"/>
-              <a:t>26/05/2024</a:t>
+              <a:t>28/05/2024</a:t>
             </a:fld>
             <a:endParaRPr lang="fr-FR"/>
           </a:p>
@@ -5258,7 +5258,7 @@
           <a:p>
             <a:fld id="{A17392EB-1A60-4B19-91D3-835E6577BF0E}" type="datetimeFigureOut">
               <a:rPr lang="fr-FR" smtClean="0"/>
-              <a:t>26/05/2024</a:t>
+              <a:t>28/05/2024</a:t>
             </a:fld>
             <a:endParaRPr lang="fr-FR"/>
           </a:p>
@@ -22575,10 +22575,10 @@
       </p:sp>
       <p:pic>
         <p:nvPicPr>
-          <p:cNvPr id="2" name="Picture 1">
-            <a:extLst>
-              <a:ext uri="{FF2B5EF4-FFF2-40B4-BE49-F238E27FC236}">
-                <a16:creationId xmlns:a16="http://schemas.microsoft.com/office/drawing/2014/main" id="{89396846-653B-0598-8203-76EC520566E2}"/>
+          <p:cNvPr id="16" name="Picture 15">
+            <a:extLst>
+              <a:ext uri="{FF2B5EF4-FFF2-40B4-BE49-F238E27FC236}">
+                <a16:creationId xmlns:a16="http://schemas.microsoft.com/office/drawing/2014/main" id="{EAC72FCE-29D0-DAF3-7C11-56E3CAB1E757}"/>
               </a:ext>
             </a:extLst>
           </p:cNvPr>
@@ -22601,8 +22601,8 @@
         </p:blipFill>
         <p:spPr>
           <a:xfrm>
-            <a:off x="1293295" y="1843110"/>
-            <a:ext cx="9461639" cy="4243461"/>
+            <a:off x="1214701" y="1479179"/>
+            <a:ext cx="9762599" cy="4374981"/>
           </a:xfrm>
           <a:prstGeom prst="rect">
             <a:avLst/>
@@ -22662,204 +22662,6 @@
                                         <a:srgbClr val="000000"/>
                                       </p:to>
                                     </p:animClr>
-                                  </p:childTnLst>
-                                </p:cTn>
-                              </p:par>
-                            </p:childTnLst>
-                          </p:cTn>
-                        </p:par>
-                      </p:childTnLst>
-                    </p:cTn>
-                  </p:par>
-                  <p:par>
-                    <p:cTn id="7" fill="hold">
-                      <p:stCondLst>
-                        <p:cond delay="indefinite"/>
-                      </p:stCondLst>
-                      <p:childTnLst>
-                        <p:par>
-                          <p:cTn id="8" fill="hold">
-                            <p:stCondLst>
-                              <p:cond delay="0"/>
-                            </p:stCondLst>
-                            <p:childTnLst>
-                              <p:par>
-                                <p:cTn id="9" presetID="47" presetClass="entr" presetSubtype="0" fill="hold" nodeType="clickEffect">
-                                  <p:stCondLst>
-                                    <p:cond delay="0"/>
-                                  </p:stCondLst>
-                                  <p:childTnLst>
-                                    <p:set>
-                                      <p:cBhvr>
-                                        <p:cTn id="10" dur="1" fill="hold">
-                                          <p:stCondLst>
-                                            <p:cond delay="0"/>
-                                          </p:stCondLst>
-                                        </p:cTn>
-                                        <p:tgtEl>
-                                          <p:spTgt spid="2"/>
-                                        </p:tgtEl>
-                                        <p:attrNameLst>
-                                          <p:attrName>style.visibility</p:attrName>
-                                        </p:attrNameLst>
-                                      </p:cBhvr>
-                                      <p:to>
-                                        <p:strVal val="visible"/>
-                                      </p:to>
-                                    </p:set>
-                                    <p:animEffect transition="in" filter="fade">
-                                      <p:cBhvr>
-                                        <p:cTn id="11" dur="250"/>
-                                        <p:tgtEl>
-                                          <p:spTgt spid="2"/>
-                                        </p:tgtEl>
-                                      </p:cBhvr>
-                                    </p:animEffect>
-                                    <p:anim calcmode="lin" valueType="num">
-                                      <p:cBhvr>
-                                        <p:cTn id="12" dur="250" fill="hold"/>
-                                        <p:tgtEl>
-                                          <p:spTgt spid="2"/>
-                                        </p:tgtEl>
-                                        <p:attrNameLst>
-                                          <p:attrName>ppt_x</p:attrName>
-                                        </p:attrNameLst>
-                                      </p:cBhvr>
-                                      <p:tavLst>
-                                        <p:tav tm="0">
-                                          <p:val>
-                                            <p:strVal val="#ppt_x"/>
-                                          </p:val>
-                                        </p:tav>
-                                        <p:tav tm="100000">
-                                          <p:val>
-                                            <p:strVal val="#ppt_x"/>
-                                          </p:val>
-                                        </p:tav>
-                                      </p:tavLst>
-                                    </p:anim>
-                                    <p:anim calcmode="lin" valueType="num">
-                                      <p:cBhvr>
-                                        <p:cTn id="13" dur="250" fill="hold"/>
-                                        <p:tgtEl>
-                                          <p:spTgt spid="2"/>
-                                        </p:tgtEl>
-                                        <p:attrNameLst>
-                                          <p:attrName>ppt_y</p:attrName>
-                                        </p:attrNameLst>
-                                      </p:cBhvr>
-                                      <p:tavLst>
-                                        <p:tav tm="0">
-                                          <p:val>
-                                            <p:strVal val="#ppt_y-.1"/>
-                                          </p:val>
-                                        </p:tav>
-                                        <p:tav tm="100000">
-                                          <p:val>
-                                            <p:strVal val="#ppt_y"/>
-                                          </p:val>
-                                        </p:tav>
-                                      </p:tavLst>
-                                    </p:anim>
-                                  </p:childTnLst>
-                                </p:cTn>
-                              </p:par>
-                            </p:childTnLst>
-                          </p:cTn>
-                        </p:par>
-                      </p:childTnLst>
-                    </p:cTn>
-                  </p:par>
-                  <p:par>
-                    <p:cTn id="14" fill="hold">
-                      <p:stCondLst>
-                        <p:cond delay="indefinite"/>
-                      </p:stCondLst>
-                      <p:childTnLst>
-                        <p:par>
-                          <p:cTn id="15" fill="hold">
-                            <p:stCondLst>
-                              <p:cond delay="0"/>
-                            </p:stCondLst>
-                            <p:childTnLst>
-                              <p:par>
-                                <p:cTn id="16" presetID="42" presetClass="exit" presetSubtype="0" fill="hold" nodeType="clickEffect">
-                                  <p:stCondLst>
-                                    <p:cond delay="0"/>
-                                  </p:stCondLst>
-                                  <p:childTnLst>
-                                    <p:animEffect transition="out" filter="fade">
-                                      <p:cBhvr>
-                                        <p:cTn id="17" dur="250"/>
-                                        <p:tgtEl>
-                                          <p:spTgt spid="2"/>
-                                        </p:tgtEl>
-                                      </p:cBhvr>
-                                    </p:animEffect>
-                                    <p:anim calcmode="lin" valueType="num">
-                                      <p:cBhvr>
-                                        <p:cTn id="18" dur="250"/>
-                                        <p:tgtEl>
-                                          <p:spTgt spid="2"/>
-                                        </p:tgtEl>
-                                        <p:attrNameLst>
-                                          <p:attrName>ppt_x</p:attrName>
-                                        </p:attrNameLst>
-                                      </p:cBhvr>
-                                      <p:tavLst>
-                                        <p:tav tm="0">
-                                          <p:val>
-                                            <p:strVal val="ppt_x"/>
-                                          </p:val>
-                                        </p:tav>
-                                        <p:tav tm="100000">
-                                          <p:val>
-                                            <p:strVal val="ppt_x"/>
-                                          </p:val>
-                                        </p:tav>
-                                      </p:tavLst>
-                                    </p:anim>
-                                    <p:anim calcmode="lin" valueType="num">
-                                      <p:cBhvr>
-                                        <p:cTn id="19" dur="250"/>
-                                        <p:tgtEl>
-                                          <p:spTgt spid="2"/>
-                                        </p:tgtEl>
-                                        <p:attrNameLst>
-                                          <p:attrName>ppt_y</p:attrName>
-                                        </p:attrNameLst>
-                                      </p:cBhvr>
-                                      <p:tavLst>
-                                        <p:tav tm="0">
-                                          <p:val>
-                                            <p:strVal val="ppt_y"/>
-                                          </p:val>
-                                        </p:tav>
-                                        <p:tav tm="100000">
-                                          <p:val>
-                                            <p:strVal val="ppt_y+.1"/>
-                                          </p:val>
-                                        </p:tav>
-                                      </p:tavLst>
-                                    </p:anim>
-                                    <p:set>
-                                      <p:cBhvr>
-                                        <p:cTn id="20" dur="1" fill="hold">
-                                          <p:stCondLst>
-                                            <p:cond delay="249"/>
-                                          </p:stCondLst>
-                                        </p:cTn>
-                                        <p:tgtEl>
-                                          <p:spTgt spid="2"/>
-                                        </p:tgtEl>
-                                        <p:attrNameLst>
-                                          <p:attrName>style.visibility</p:attrName>
-                                        </p:attrNameLst>
-                                      </p:cBhvr>
-                                      <p:to>
-                                        <p:strVal val="hidden"/>
-                                      </p:to>
-                                    </p:set>
                                   </p:childTnLst>
                                 </p:cTn>
                               </p:par>

--- a/PRESENTATION PFA/Presentatin PFA .pptx
+++ b/PRESENTATION PFA/Presentatin PFA .pptx
@@ -7318,7 +7318,7 @@
         </p:blipFill>
         <p:spPr>
           <a:xfrm>
-            <a:off x="12192000" y="2696205"/>
+            <a:off x="12786910" y="2862156"/>
             <a:ext cx="1456869" cy="1456869"/>
           </a:xfrm>
           <a:prstGeom prst="rect">
@@ -8284,42 +8284,6 @@
           </a:p>
         </p:txBody>
       </p:sp>
-      <p:pic>
-        <p:nvPicPr>
-          <p:cNvPr id="22" name="Picture 21">
-            <a:extLst>
-              <a:ext uri="{FF2B5EF4-FFF2-40B4-BE49-F238E27FC236}">
-                <a16:creationId xmlns:a16="http://schemas.microsoft.com/office/drawing/2014/main" id="{8F1F8872-05F0-49F2-8796-357CABA8370B}"/>
-              </a:ext>
-            </a:extLst>
-          </p:cNvPr>
-          <p:cNvPicPr>
-            <a:picLocks noChangeAspect="1"/>
-          </p:cNvPicPr>
-          <p:nvPr/>
-        </p:nvPicPr>
-        <p:blipFill>
-          <a:blip r:embed="rId3">
-            <a:extLst>
-              <a:ext uri="{28A0092B-C50C-407E-A947-70E740481C1C}">
-                <a14:useLocalDpi xmlns:a14="http://schemas.microsoft.com/office/drawing/2010/main" val="0"/>
-              </a:ext>
-            </a:extLst>
-          </a:blip>
-          <a:stretch>
-            <a:fillRect/>
-          </a:stretch>
-        </p:blipFill>
-        <p:spPr>
-          <a:xfrm>
-            <a:off x="12192000" y="2696205"/>
-            <a:ext cx="1456869" cy="1456869"/>
-          </a:xfrm>
-          <a:prstGeom prst="rect">
-            <a:avLst/>
-          </a:prstGeom>
-        </p:spPr>
-      </p:pic>
       <p:sp>
         <p:nvSpPr>
           <p:cNvPr id="9" name="TextBox 8">
@@ -12112,7 +12076,7 @@
         <p:spPr>
           <a:xfrm>
             <a:off x="4363273" y="3198168"/>
-            <a:ext cx="6391661" cy="461665"/>
+            <a:ext cx="6391661" cy="1200329"/>
           </a:xfrm>
           <a:prstGeom prst="rect">
             <a:avLst/>
@@ -12135,8 +12099,15 @@
                 <a:ea typeface="CMU Serif" panose="02000603000000000000" pitchFamily="2" charset="0"/>
                 <a:cs typeface="CMU Serif" panose="02000603000000000000" pitchFamily="2" charset="0"/>
               </a:rPr>
-              <a:t>Accéder au site vitrine.</a:t>
-            </a:r>
+              <a:t>Accéder au site vitrine.  A SUPPRIMER</a:t>
+            </a:r>
+          </a:p>
+          <a:p>
+            <a:endParaRPr lang="fr-FR" sz="2400" b="1" dirty="0">
+              <a:latin typeface="CMU Serif" panose="02000603000000000000" pitchFamily="2" charset="0"/>
+              <a:ea typeface="CMU Serif" panose="02000603000000000000" pitchFamily="2" charset="0"/>
+              <a:cs typeface="CMU Serif" panose="02000603000000000000" pitchFamily="2" charset="0"/>
+            </a:endParaRPr>
           </a:p>
         </p:txBody>
       </p:sp>
@@ -19108,6 +19079,45 @@
           </a:prstGeom>
         </p:spPr>
       </p:pic>
+      <p:sp>
+        <p:nvSpPr>
+          <p:cNvPr id="2" name="TextBox 1">
+            <a:extLst>
+              <a:ext uri="{FF2B5EF4-FFF2-40B4-BE49-F238E27FC236}">
+                <a16:creationId xmlns:a16="http://schemas.microsoft.com/office/drawing/2014/main" id="{F374DB5B-CA63-4478-8FEE-E4A1799609EB}"/>
+              </a:ext>
+            </a:extLst>
+          </p:cNvPr>
+          <p:cNvSpPr txBox="1"/>
+          <p:nvPr/>
+        </p:nvSpPr>
+        <p:spPr>
+          <a:xfrm>
+            <a:off x="7846997" y="4385381"/>
+            <a:ext cx="1596976" cy="369332"/>
+          </a:xfrm>
+          <a:prstGeom prst="rect">
+            <a:avLst/>
+          </a:prstGeom>
+          <a:noFill/>
+        </p:spPr>
+        <p:txBody>
+          <a:bodyPr wrap="none" rtlCol="0">
+            <a:spAutoFit/>
+          </a:bodyPr>
+          <a:lstStyle/>
+          <a:p>
+            <a:r>
+              <a:rPr lang="fr-FR" dirty="0" err="1"/>
+              <a:t>Diagrammmes</a:t>
+            </a:r>
+            <a:r>
+              <a:rPr lang="fr-FR" dirty="0"/>
+              <a:t> </a:t>
+            </a:r>
+          </a:p>
+        </p:txBody>
+      </p:sp>
     </p:spTree>
     <p:extLst>
       <p:ext uri="{BB962C8B-B14F-4D97-AF65-F5344CB8AC3E}">
@@ -21179,7 +21189,7 @@
         </p:blipFill>
         <p:spPr bwMode="auto">
           <a:xfrm>
-            <a:off x="7549789" y="2945999"/>
+            <a:off x="7549789" y="2934982"/>
             <a:ext cx="1639557" cy="1639557"/>
           </a:xfrm>
           <a:prstGeom prst="rect">
@@ -21266,7 +21276,7 @@
                 <a:ea typeface="CMU Serif" panose="02000603000000000000" pitchFamily="2" charset="0"/>
                 <a:cs typeface="CMU Serif" panose="02000603000000000000" pitchFamily="2" charset="0"/>
               </a:rPr>
-              <a:t>Logiciel de Test : Postman </a:t>
+              <a:t>Outils de gestion de version</a:t>
             </a:r>
           </a:p>
         </p:txBody>
@@ -21939,7 +21949,7 @@
                 <a:ea typeface="CMU Serif" panose="02000603000000000000" pitchFamily="2" charset="0"/>
                 <a:cs typeface="CMU Serif" panose="02000603000000000000" pitchFamily="2" charset="0"/>
               </a:rPr>
-              <a:t>Outils de gestion de version</a:t>
+              <a:t>Logiciel de Test</a:t>
             </a:r>
           </a:p>
         </p:txBody>
